--- a/Презентация Тулупов Р И.pptx
+++ b/Презентация Тулупов Р И.pptx
@@ -16660,7 +16660,7 @@
                 <a:ea typeface="Tahoma" panose="020B0604030504040204" pitchFamily="34" charset="0"/>
                 <a:cs typeface="Tahoma" panose="020B0604030504040204" pitchFamily="34" charset="0"/>
               </a:rPr>
-              <a:t>Загрузка и объединение датасетов</a:t>
+              <a:t>Загрузка и объединение датасетов.</a:t>
             </a:r>
           </a:p>
           <a:p>
@@ -16683,7 +16683,7 @@
                 <a:ea typeface="Tahoma" panose="020B0604030504040204" pitchFamily="34" charset="0"/>
                 <a:cs typeface="Tahoma" panose="020B0604030504040204" pitchFamily="34" charset="0"/>
               </a:rPr>
-              <a:t>Разведочный анализ данных</a:t>
+              <a:t>Разведочный анализ данных.</a:t>
             </a:r>
           </a:p>
           <a:p>
@@ -16706,7 +16706,7 @@
                 <a:ea typeface="Tahoma" panose="020B0604030504040204" pitchFamily="34" charset="0"/>
                 <a:cs typeface="Tahoma" panose="020B0604030504040204" pitchFamily="34" charset="0"/>
               </a:rPr>
-              <a:t>Обработка дубликатов и выбросов</a:t>
+              <a:t>Обработка дубликатов и выбросов.</a:t>
             </a:r>
           </a:p>
           <a:p>
@@ -16729,7 +16729,7 @@
                 <a:ea typeface="Tahoma" panose="020B0604030504040204" pitchFamily="34" charset="0"/>
                 <a:cs typeface="Tahoma" panose="020B0604030504040204" pitchFamily="34" charset="0"/>
               </a:rPr>
-              <a:t>Гистограммы распределения каждой из переменной, диаграммы ящик с усами, попарные графики рассеяния точек </a:t>
+              <a:t>Гистограммы распределения каждой из переменной, диаграммы ящик с усами, попарные графики рассеяния точек.</a:t>
             </a:r>
           </a:p>
           <a:p>
@@ -16752,7 +16752,7 @@
                 <a:ea typeface="Tahoma" panose="020B0604030504040204" pitchFamily="34" charset="0"/>
                 <a:cs typeface="Tahoma" panose="020B0604030504040204" pitchFamily="34" charset="0"/>
               </a:rPr>
-              <a:t>Предобработка данных</a:t>
+              <a:t>Предобработка данных.</a:t>
             </a:r>
           </a:p>
           <a:p>
@@ -16775,7 +16775,7 @@
                 <a:ea typeface="Tahoma" panose="020B0604030504040204" pitchFamily="34" charset="0"/>
                 <a:cs typeface="Tahoma" panose="020B0604030504040204" pitchFamily="34" charset="0"/>
               </a:rPr>
-              <a:t>Обучение нескольких моделей для прогноза модуля упругости при растяжении и прочности при растяжении</a:t>
+              <a:t>Обучение нескольких моделей для прогноза модуля упругости при растяжении и прочности при растяжении.</a:t>
             </a:r>
           </a:p>
           <a:p>
@@ -16798,7 +16798,7 @@
                 <a:ea typeface="Tahoma" panose="020B0604030504040204" pitchFamily="34" charset="0"/>
                 <a:cs typeface="Tahoma" panose="020B0604030504040204" pitchFamily="34" charset="0"/>
               </a:rPr>
-              <a:t>Написание нейронной сети, которая будет рекомендовать соотношение матрица-наполнитель</a:t>
+              <a:t>Написание нейронной сети, которая будет рекомендовать соотношение матрица-наполнитель.</a:t>
             </a:r>
           </a:p>
           <a:p>
@@ -16837,17 +16837,20 @@
               </a:rPr>
               <a:t>Flask</a:t>
             </a:r>
-            <a:endParaRPr lang="ru-RU" dirty="0">
-              <a:solidFill>
-                <a:schemeClr val="bg2">
-                  <a:lumMod val="75000"/>
-                  <a:lumOff val="25000"/>
-                </a:schemeClr>
-              </a:solidFill>
-              <a:latin typeface="Tahoma" panose="020B0604030504040204" pitchFamily="34" charset="0"/>
-              <a:ea typeface="Tahoma" panose="020B0604030504040204" pitchFamily="34" charset="0"/>
-              <a:cs typeface="Tahoma" panose="020B0604030504040204" pitchFamily="34" charset="0"/>
-            </a:endParaRPr>
+            <a:r>
+              <a:rPr lang="ru-RU" dirty="0">
+                <a:solidFill>
+                  <a:schemeClr val="bg2">
+                    <a:lumMod val="75000"/>
+                    <a:lumOff val="25000"/>
+                  </a:schemeClr>
+                </a:solidFill>
+                <a:latin typeface="Tahoma" panose="020B0604030504040204" pitchFamily="34" charset="0"/>
+                <a:ea typeface="Tahoma" panose="020B0604030504040204" pitchFamily="34" charset="0"/>
+                <a:cs typeface="Tahoma" panose="020B0604030504040204" pitchFamily="34" charset="0"/>
+              </a:rPr>
+              <a:t>.</a:t>
+            </a:r>
           </a:p>
           <a:p>
             <a:endParaRPr lang="ru-RU" dirty="0">
@@ -17108,183 +17111,402 @@
         </p:spPr>
         <p:txBody>
           <a:bodyPr spcFirstLastPara="1" wrap="square" lIns="91425" tIns="45700" rIns="91425" bIns="45700" anchor="t" anchorCtr="0">
-            <a:normAutofit fontScale="85000" lnSpcReduction="10000"/>
+            <a:normAutofit fontScale="92500" lnSpcReduction="20000"/>
           </a:bodyPr>
           <a:lstStyle/>
           <a:p>
-            <a:pPr>
-              <a:lnSpc>
-                <a:spcPct val="150000"/>
-              </a:lnSpc>
-              <a:buFont typeface="Courier New" panose="02070309020205020404" pitchFamily="49" charset="0"/>
-              <a:buChar char="o"/>
+            <a:pPr marL="76200" indent="0">
+              <a:buNone/>
             </a:pPr>
             <a:r>
-              <a:rPr lang="ru-RU" dirty="0">
+              <a:rPr lang="en-US" sz="1300" b="0" dirty="0" err="1">
                 <a:solidFill>
-                  <a:schemeClr val="bg2">
-                    <a:lumMod val="75000"/>
-                    <a:lumOff val="25000"/>
-                  </a:schemeClr>
+                  <a:srgbClr val="000000"/>
                 </a:solidFill>
-                <a:latin typeface="Tahoma" panose="020B0604030504040204" pitchFamily="34" charset="0"/>
-                <a:ea typeface="Tahoma" panose="020B0604030504040204" pitchFamily="34" charset="0"/>
-                <a:cs typeface="Tahoma" panose="020B0604030504040204" pitchFamily="34" charset="0"/>
+                <a:effectLst/>
+                <a:latin typeface="Courier New" panose="02070309020205020404" pitchFamily="49" charset="0"/>
               </a:rPr>
-              <a:t>Разведочный анализ данных</a:t>
+              <a:t>X_bp</a:t>
             </a:r>
-          </a:p>
-          <a:p>
-            <a:pPr>
-              <a:lnSpc>
-                <a:spcPct val="150000"/>
-              </a:lnSpc>
-              <a:buFont typeface="Courier New" panose="02070309020205020404" pitchFamily="49" charset="0"/>
-              <a:buChar char="o"/>
+            <a:r>
+              <a:rPr lang="en-US" sz="1300" b="0" dirty="0">
+                <a:solidFill>
+                  <a:srgbClr val="000000"/>
+                </a:solidFill>
+                <a:effectLst/>
+                <a:latin typeface="Courier New" panose="02070309020205020404" pitchFamily="49" charset="0"/>
+              </a:rPr>
+              <a:t> = </a:t>
+            </a:r>
+            <a:r>
+              <a:rPr lang="en-US" sz="1300" b="0" dirty="0" err="1">
+                <a:solidFill>
+                  <a:srgbClr val="000000"/>
+                </a:solidFill>
+                <a:effectLst/>
+                <a:latin typeface="Courier New" panose="02070309020205020404" pitchFamily="49" charset="0"/>
+              </a:rPr>
+              <a:t>pd.read_excel</a:t>
+            </a:r>
+            <a:r>
+              <a:rPr lang="en-US" sz="1300" b="0" dirty="0">
+                <a:solidFill>
+                  <a:srgbClr val="000000"/>
+                </a:solidFill>
+                <a:effectLst/>
+                <a:latin typeface="Courier New" panose="02070309020205020404" pitchFamily="49" charset="0"/>
+              </a:rPr>
+              <a:t>(</a:t>
+            </a:r>
+          </a:p>
+          <a:p>
+            <a:pPr marL="76200" indent="0">
+              <a:buNone/>
             </a:pPr>
             <a:r>
-              <a:rPr lang="ru-RU" dirty="0">
+              <a:rPr lang="en-US" sz="1300" b="0" dirty="0">
                 <a:solidFill>
-                  <a:schemeClr val="bg2">
-                    <a:lumMod val="75000"/>
-                    <a:lumOff val="25000"/>
-                  </a:schemeClr>
+                  <a:srgbClr val="000000"/>
                 </a:solidFill>
-                <a:latin typeface="Tahoma" panose="020B0604030504040204" pitchFamily="34" charset="0"/>
-                <a:ea typeface="Tahoma" panose="020B0604030504040204" pitchFamily="34" charset="0"/>
-                <a:cs typeface="Tahoma" panose="020B0604030504040204" pitchFamily="34" charset="0"/>
+                <a:effectLst/>
+                <a:latin typeface="Courier New" panose="02070309020205020404" pitchFamily="49" charset="0"/>
               </a:rPr>
-              <a:t>Обработка дубликатов и выбросов</a:t>
+              <a:t>    </a:t>
             </a:r>
-          </a:p>
-          <a:p>
-            <a:pPr>
-              <a:lnSpc>
-                <a:spcPct val="150000"/>
-              </a:lnSpc>
-              <a:buFont typeface="Courier New" panose="02070309020205020404" pitchFamily="49" charset="0"/>
-              <a:buChar char="o"/>
+            <a:r>
+              <a:rPr lang="en-US" sz="1300" b="0" dirty="0">
+                <a:solidFill>
+                  <a:srgbClr val="A31515"/>
+                </a:solidFill>
+                <a:effectLst/>
+                <a:latin typeface="Courier New" panose="02070309020205020404" pitchFamily="49" charset="0"/>
+              </a:rPr>
+              <a:t>'https://github.com/</a:t>
+            </a:r>
+            <a:r>
+              <a:rPr lang="en-US" sz="1300" b="0" dirty="0" err="1">
+                <a:solidFill>
+                  <a:srgbClr val="A31515"/>
+                </a:solidFill>
+                <a:effectLst/>
+                <a:latin typeface="Courier New" panose="02070309020205020404" pitchFamily="49" charset="0"/>
+              </a:rPr>
+              <a:t>ritulupov</a:t>
+            </a:r>
+            <a:r>
+              <a:rPr lang="en-US" sz="1300" b="0" dirty="0">
+                <a:solidFill>
+                  <a:srgbClr val="A31515"/>
+                </a:solidFill>
+                <a:effectLst/>
+                <a:latin typeface="Courier New" panose="02070309020205020404" pitchFamily="49" charset="0"/>
+              </a:rPr>
+              <a:t>/BKP/blob/main/data/</a:t>
+            </a:r>
+            <a:r>
+              <a:rPr lang="en-US" sz="1300" b="0" dirty="0" err="1">
+                <a:solidFill>
+                  <a:srgbClr val="A31515"/>
+                </a:solidFill>
+                <a:effectLst/>
+                <a:latin typeface="Courier New" panose="02070309020205020404" pitchFamily="49" charset="0"/>
+              </a:rPr>
+              <a:t>X_bp.xlsx?raw</a:t>
+            </a:r>
+            <a:r>
+              <a:rPr lang="en-US" sz="1300" b="0" dirty="0">
+                <a:solidFill>
+                  <a:srgbClr val="A31515"/>
+                </a:solidFill>
+                <a:effectLst/>
+                <a:latin typeface="Courier New" panose="02070309020205020404" pitchFamily="49" charset="0"/>
+              </a:rPr>
+              <a:t>=true'</a:t>
+            </a:r>
+            <a:r>
+              <a:rPr lang="en-US" sz="1300" b="0" dirty="0">
+                <a:solidFill>
+                  <a:srgbClr val="000000"/>
+                </a:solidFill>
+                <a:effectLst/>
+                <a:latin typeface="Courier New" panose="02070309020205020404" pitchFamily="49" charset="0"/>
+              </a:rPr>
+              <a:t>,</a:t>
+            </a:r>
+          </a:p>
+          <a:p>
+            <a:pPr marL="76200" indent="0">
+              <a:buNone/>
             </a:pPr>
             <a:r>
-              <a:rPr lang="ru-RU" dirty="0">
+              <a:rPr lang="en-US" sz="1300" b="0" dirty="0">
                 <a:solidFill>
-                  <a:schemeClr val="bg2">
-                    <a:lumMod val="75000"/>
-                    <a:lumOff val="25000"/>
-                  </a:schemeClr>
+                  <a:srgbClr val="000000"/>
                 </a:solidFill>
-                <a:latin typeface="Tahoma" panose="020B0604030504040204" pitchFamily="34" charset="0"/>
-                <a:ea typeface="Tahoma" panose="020B0604030504040204" pitchFamily="34" charset="0"/>
-                <a:cs typeface="Tahoma" panose="020B0604030504040204" pitchFamily="34" charset="0"/>
+                <a:effectLst/>
+                <a:latin typeface="Courier New" panose="02070309020205020404" pitchFamily="49" charset="0"/>
               </a:rPr>
-              <a:t>Гистограммы распределения каждой из переменной, диаграммы ящик с усами, попарные графики рассеяния точек </a:t>
+              <a:t>     index_col=</a:t>
             </a:r>
-          </a:p>
-          <a:p>
-            <a:pPr>
-              <a:lnSpc>
-                <a:spcPct val="150000"/>
-              </a:lnSpc>
-              <a:buFont typeface="Courier New" panose="02070309020205020404" pitchFamily="49" charset="0"/>
-              <a:buChar char="o"/>
+            <a:r>
+              <a:rPr lang="en-US" sz="1300" b="0" dirty="0">
+                <a:solidFill>
+                  <a:srgbClr val="098156"/>
+                </a:solidFill>
+                <a:effectLst/>
+                <a:latin typeface="Courier New" panose="02070309020205020404" pitchFamily="49" charset="0"/>
+              </a:rPr>
+              <a:t>0</a:t>
+            </a:r>
+            <a:r>
+              <a:rPr lang="en-US" sz="1300" b="0" dirty="0">
+                <a:solidFill>
+                  <a:srgbClr val="000000"/>
+                </a:solidFill>
+                <a:effectLst/>
+                <a:latin typeface="Courier New" panose="02070309020205020404" pitchFamily="49" charset="0"/>
+              </a:rPr>
+              <a:t>, engine=</a:t>
+            </a:r>
+            <a:r>
+              <a:rPr lang="en-US" sz="1300" b="0" dirty="0">
+                <a:solidFill>
+                  <a:srgbClr val="A31515"/>
+                </a:solidFill>
+                <a:effectLst/>
+                <a:latin typeface="Courier New" panose="02070309020205020404" pitchFamily="49" charset="0"/>
+              </a:rPr>
+              <a:t>'</a:t>
+            </a:r>
+            <a:r>
+              <a:rPr lang="en-US" sz="1300" b="0" dirty="0" err="1">
+                <a:solidFill>
+                  <a:srgbClr val="A31515"/>
+                </a:solidFill>
+                <a:effectLst/>
+                <a:latin typeface="Courier New" panose="02070309020205020404" pitchFamily="49" charset="0"/>
+              </a:rPr>
+              <a:t>openpyxl</a:t>
+            </a:r>
+            <a:r>
+              <a:rPr lang="en-US" sz="1300" b="0" dirty="0">
+                <a:solidFill>
+                  <a:srgbClr val="A31515"/>
+                </a:solidFill>
+                <a:effectLst/>
+                <a:latin typeface="Courier New" panose="02070309020205020404" pitchFamily="49" charset="0"/>
+              </a:rPr>
+              <a:t>'</a:t>
+            </a:r>
+            <a:r>
+              <a:rPr lang="en-US" sz="1300" b="0" dirty="0">
+                <a:solidFill>
+                  <a:srgbClr val="000000"/>
+                </a:solidFill>
+                <a:effectLst/>
+                <a:latin typeface="Courier New" panose="02070309020205020404" pitchFamily="49" charset="0"/>
+              </a:rPr>
+              <a:t>)</a:t>
+            </a:r>
+          </a:p>
+          <a:p>
+            <a:pPr marL="76200" indent="0">
+              <a:buNone/>
+            </a:pPr>
+            <a:br>
+              <a:rPr lang="en-US" sz="1300" b="0" dirty="0">
+                <a:solidFill>
+                  <a:srgbClr val="000000"/>
+                </a:solidFill>
+                <a:effectLst/>
+                <a:latin typeface="Courier New" panose="02070309020205020404" pitchFamily="49" charset="0"/>
+              </a:rPr>
+            </a:br>
+            <a:r>
+              <a:rPr lang="en-US" sz="1300" b="0" dirty="0">
+                <a:solidFill>
+                  <a:srgbClr val="000000"/>
+                </a:solidFill>
+                <a:effectLst/>
+                <a:latin typeface="Courier New" panose="02070309020205020404" pitchFamily="49" charset="0"/>
+              </a:rPr>
+              <a:t>X_nup = </a:t>
+            </a:r>
+            <a:r>
+              <a:rPr lang="en-US" sz="1300" b="0" dirty="0" err="1">
+                <a:solidFill>
+                  <a:srgbClr val="000000"/>
+                </a:solidFill>
+                <a:effectLst/>
+                <a:latin typeface="Courier New" panose="02070309020205020404" pitchFamily="49" charset="0"/>
+              </a:rPr>
+              <a:t>pd.read_excel</a:t>
+            </a:r>
+            <a:r>
+              <a:rPr lang="en-US" sz="1300" b="0" dirty="0">
+                <a:solidFill>
+                  <a:srgbClr val="000000"/>
+                </a:solidFill>
+                <a:effectLst/>
+                <a:latin typeface="Courier New" panose="02070309020205020404" pitchFamily="49" charset="0"/>
+              </a:rPr>
+              <a:t>(</a:t>
+            </a:r>
+          </a:p>
+          <a:p>
+            <a:pPr marL="76200" indent="0">
+              <a:buNone/>
             </a:pPr>
             <a:r>
-              <a:rPr lang="ru-RU" dirty="0">
+              <a:rPr lang="en-US" sz="1300" b="0" dirty="0">
                 <a:solidFill>
-                  <a:schemeClr val="bg2">
-                    <a:lumMod val="75000"/>
-                    <a:lumOff val="25000"/>
-                  </a:schemeClr>
+                  <a:srgbClr val="000000"/>
                 </a:solidFill>
-                <a:latin typeface="Tahoma" panose="020B0604030504040204" pitchFamily="34" charset="0"/>
-                <a:ea typeface="Tahoma" panose="020B0604030504040204" pitchFamily="34" charset="0"/>
-                <a:cs typeface="Tahoma" panose="020B0604030504040204" pitchFamily="34" charset="0"/>
+                <a:effectLst/>
+                <a:latin typeface="Courier New" panose="02070309020205020404" pitchFamily="49" charset="0"/>
               </a:rPr>
-              <a:t>Предобработка данных</a:t>
+              <a:t>    </a:t>
             </a:r>
-          </a:p>
-          <a:p>
-            <a:pPr>
-              <a:lnSpc>
-                <a:spcPct val="150000"/>
-              </a:lnSpc>
-              <a:buFont typeface="Courier New" panose="02070309020205020404" pitchFamily="49" charset="0"/>
-              <a:buChar char="o"/>
+            <a:r>
+              <a:rPr lang="en-US" sz="1300" b="0" dirty="0">
+                <a:solidFill>
+                  <a:srgbClr val="A31515"/>
+                </a:solidFill>
+                <a:effectLst/>
+                <a:latin typeface="Courier New" panose="02070309020205020404" pitchFamily="49" charset="0"/>
+              </a:rPr>
+              <a:t>'https://github.com/</a:t>
+            </a:r>
+            <a:r>
+              <a:rPr lang="en-US" sz="1300" b="0" dirty="0" err="1">
+                <a:solidFill>
+                  <a:srgbClr val="A31515"/>
+                </a:solidFill>
+                <a:effectLst/>
+                <a:latin typeface="Courier New" panose="02070309020205020404" pitchFamily="49" charset="0"/>
+              </a:rPr>
+              <a:t>ritulupov</a:t>
+            </a:r>
+            <a:r>
+              <a:rPr lang="en-US" sz="1300" b="0" dirty="0">
+                <a:solidFill>
+                  <a:srgbClr val="A31515"/>
+                </a:solidFill>
+                <a:effectLst/>
+                <a:latin typeface="Courier New" panose="02070309020205020404" pitchFamily="49" charset="0"/>
+              </a:rPr>
+              <a:t>/BKP/blob/main/data/</a:t>
+            </a:r>
+            <a:r>
+              <a:rPr lang="en-US" sz="1300" b="0" dirty="0" err="1">
+                <a:solidFill>
+                  <a:srgbClr val="A31515"/>
+                </a:solidFill>
+                <a:effectLst/>
+                <a:latin typeface="Courier New" panose="02070309020205020404" pitchFamily="49" charset="0"/>
+              </a:rPr>
+              <a:t>X_nup.xlsx?raw</a:t>
+            </a:r>
+            <a:r>
+              <a:rPr lang="en-US" sz="1300" b="0" dirty="0">
+                <a:solidFill>
+                  <a:srgbClr val="A31515"/>
+                </a:solidFill>
+                <a:effectLst/>
+                <a:latin typeface="Courier New" panose="02070309020205020404" pitchFamily="49" charset="0"/>
+              </a:rPr>
+              <a:t>=true'</a:t>
+            </a:r>
+            <a:r>
+              <a:rPr lang="en-US" sz="1300" b="0" dirty="0">
+                <a:solidFill>
+                  <a:srgbClr val="000000"/>
+                </a:solidFill>
+                <a:effectLst/>
+                <a:latin typeface="Courier New" panose="02070309020205020404" pitchFamily="49" charset="0"/>
+              </a:rPr>
+              <a:t>,</a:t>
+            </a:r>
+          </a:p>
+          <a:p>
+            <a:pPr marL="76200" indent="0">
+              <a:buNone/>
             </a:pPr>
             <a:r>
-              <a:rPr lang="ru-RU" dirty="0">
+              <a:rPr lang="en-US" sz="1300" b="0" dirty="0">
                 <a:solidFill>
-                  <a:schemeClr val="bg2">
-                    <a:lumMod val="75000"/>
-                    <a:lumOff val="25000"/>
-                  </a:schemeClr>
+                  <a:srgbClr val="000000"/>
                 </a:solidFill>
-                <a:latin typeface="Tahoma" panose="020B0604030504040204" pitchFamily="34" charset="0"/>
-                <a:ea typeface="Tahoma" panose="020B0604030504040204" pitchFamily="34" charset="0"/>
-                <a:cs typeface="Tahoma" panose="020B0604030504040204" pitchFamily="34" charset="0"/>
+                <a:effectLst/>
+                <a:latin typeface="Courier New" panose="02070309020205020404" pitchFamily="49" charset="0"/>
               </a:rPr>
-              <a:t>Обучение нескольких моделей для прогноза модуля упругости при растяжении и прочности при растяжении</a:t>
-            </a:r>
-          </a:p>
-          <a:p>
-            <a:pPr>
-              <a:lnSpc>
-                <a:spcPct val="150000"/>
-              </a:lnSpc>
-              <a:buFont typeface="Courier New" panose="02070309020205020404" pitchFamily="49" charset="0"/>
-              <a:buChar char="o"/>
-            </a:pPr>
-            <a:r>
-              <a:rPr lang="ru-RU" dirty="0">
-                <a:solidFill>
-                  <a:schemeClr val="bg2">
-                    <a:lumMod val="75000"/>
-                    <a:lumOff val="25000"/>
-                  </a:schemeClr>
-                </a:solidFill>
-                <a:latin typeface="Tahoma" panose="020B0604030504040204" pitchFamily="34" charset="0"/>
-                <a:ea typeface="Tahoma" panose="020B0604030504040204" pitchFamily="34" charset="0"/>
-                <a:cs typeface="Tahoma" panose="020B0604030504040204" pitchFamily="34" charset="0"/>
-              </a:rPr>
-              <a:t>Написание нейронной сети, которая будет рекомендовать соотношение матрица-наполнитель</a:t>
-            </a:r>
-          </a:p>
-          <a:p>
-            <a:pPr>
-              <a:lnSpc>
-                <a:spcPct val="150000"/>
-              </a:lnSpc>
-              <a:buFont typeface="Courier New" panose="02070309020205020404" pitchFamily="49" charset="0"/>
-              <a:buChar char="o"/>
-            </a:pPr>
-            <a:r>
-              <a:rPr lang="ru-RU" dirty="0">
-                <a:solidFill>
-                  <a:schemeClr val="bg2">
-                    <a:lumMod val="75000"/>
-                    <a:lumOff val="25000"/>
-                  </a:schemeClr>
-                </a:solidFill>
-                <a:latin typeface="Tahoma" panose="020B0604030504040204" pitchFamily="34" charset="0"/>
-                <a:ea typeface="Tahoma" panose="020B0604030504040204" pitchFamily="34" charset="0"/>
-                <a:cs typeface="Tahoma" panose="020B0604030504040204" pitchFamily="34" charset="0"/>
-              </a:rPr>
-              <a:t>Разработка приложения </a:t>
+              <a:t>     index_col=</a:t>
             </a:r>
             <a:r>
-              <a:rPr lang="en-US" dirty="0">
+              <a:rPr lang="en-US" sz="1300" b="0" dirty="0">
                 <a:solidFill>
-                  <a:schemeClr val="bg2">
-                    <a:lumMod val="75000"/>
-                    <a:lumOff val="25000"/>
-                  </a:schemeClr>
+                  <a:srgbClr val="098156"/>
                 </a:solidFill>
-                <a:latin typeface="Tahoma" panose="020B0604030504040204" pitchFamily="34" charset="0"/>
-                <a:ea typeface="Tahoma" panose="020B0604030504040204" pitchFamily="34" charset="0"/>
-                <a:cs typeface="Tahoma" panose="020B0604030504040204" pitchFamily="34" charset="0"/>
+                <a:effectLst/>
+                <a:latin typeface="Courier New" panose="02070309020205020404" pitchFamily="49" charset="0"/>
               </a:rPr>
-              <a:t>Flask</a:t>
+              <a:t>0</a:t>
             </a:r>
+            <a:r>
+              <a:rPr lang="en-US" sz="1300" b="0" dirty="0">
+                <a:solidFill>
+                  <a:srgbClr val="000000"/>
+                </a:solidFill>
+                <a:effectLst/>
+                <a:latin typeface="Courier New" panose="02070309020205020404" pitchFamily="49" charset="0"/>
+              </a:rPr>
+              <a:t>, engine=</a:t>
+            </a:r>
+            <a:r>
+              <a:rPr lang="en-US" sz="1300" b="0" dirty="0">
+                <a:solidFill>
+                  <a:srgbClr val="A31515"/>
+                </a:solidFill>
+                <a:effectLst/>
+                <a:latin typeface="Courier New" panose="02070309020205020404" pitchFamily="49" charset="0"/>
+              </a:rPr>
+              <a:t>'</a:t>
+            </a:r>
+            <a:r>
+              <a:rPr lang="en-US" sz="1300" b="0" dirty="0" err="1">
+                <a:solidFill>
+                  <a:srgbClr val="A31515"/>
+                </a:solidFill>
+                <a:effectLst/>
+                <a:latin typeface="Courier New" panose="02070309020205020404" pitchFamily="49" charset="0"/>
+              </a:rPr>
+              <a:t>openpyxl</a:t>
+            </a:r>
+            <a:r>
+              <a:rPr lang="en-US" sz="1300" b="0" dirty="0">
+                <a:solidFill>
+                  <a:srgbClr val="A31515"/>
+                </a:solidFill>
+                <a:effectLst/>
+                <a:latin typeface="Courier New" panose="02070309020205020404" pitchFamily="49" charset="0"/>
+              </a:rPr>
+              <a:t>’</a:t>
+            </a:r>
+            <a:r>
+              <a:rPr lang="en-US" sz="1300" b="0" dirty="0">
+                <a:solidFill>
+                  <a:srgbClr val="000000"/>
+                </a:solidFill>
+                <a:effectLst/>
+                <a:latin typeface="Courier New" panose="02070309020205020404" pitchFamily="49" charset="0"/>
+              </a:rPr>
+              <a:t>)</a:t>
+            </a:r>
+          </a:p>
+          <a:p>
+            <a:pPr marL="76200" indent="0">
+              <a:buNone/>
+            </a:pPr>
             <a:endParaRPr lang="ru-RU" dirty="0">
               <a:solidFill>
                 <a:schemeClr val="bg2">
@@ -17298,6 +17520,211 @@
             </a:endParaRPr>
           </a:p>
           <a:p>
+            <a:pPr marL="76200" indent="0">
+              <a:lnSpc>
+                <a:spcPct val="110000"/>
+              </a:lnSpc>
+              <a:buNone/>
+            </a:pPr>
+            <a:r>
+              <a:rPr lang="ru-RU" sz="2200" dirty="0">
+                <a:solidFill>
+                  <a:schemeClr val="bg2">
+                    <a:lumMod val="75000"/>
+                    <a:lumOff val="25000"/>
+                  </a:schemeClr>
+                </a:solidFill>
+                <a:latin typeface="Tahoma" panose="020B0604030504040204" pitchFamily="34" charset="0"/>
+                <a:ea typeface="Tahoma" panose="020B0604030504040204" pitchFamily="34" charset="0"/>
+                <a:cs typeface="Tahoma" panose="020B0604030504040204" pitchFamily="34" charset="0"/>
+              </a:rPr>
+              <a:t>Файлы были заранее размещены в моем профиле на </a:t>
+            </a:r>
+            <a:r>
+              <a:rPr lang="en-US" sz="2200" dirty="0">
+                <a:solidFill>
+                  <a:schemeClr val="bg2">
+                    <a:lumMod val="75000"/>
+                    <a:lumOff val="25000"/>
+                  </a:schemeClr>
+                </a:solidFill>
+                <a:latin typeface="Tahoma" panose="020B0604030504040204" pitchFamily="34" charset="0"/>
+                <a:ea typeface="Tahoma" panose="020B0604030504040204" pitchFamily="34" charset="0"/>
+                <a:cs typeface="Tahoma" panose="020B0604030504040204" pitchFamily="34" charset="0"/>
+              </a:rPr>
+              <a:t>GitHub</a:t>
+            </a:r>
+            <a:r>
+              <a:rPr lang="ru-RU" sz="2200" dirty="0">
+                <a:solidFill>
+                  <a:schemeClr val="bg2">
+                    <a:lumMod val="75000"/>
+                    <a:lumOff val="25000"/>
+                  </a:schemeClr>
+                </a:solidFill>
+                <a:latin typeface="Tahoma" panose="020B0604030504040204" pitchFamily="34" charset="0"/>
+                <a:ea typeface="Tahoma" panose="020B0604030504040204" pitchFamily="34" charset="0"/>
+                <a:cs typeface="Tahoma" panose="020B0604030504040204" pitchFamily="34" charset="0"/>
+              </a:rPr>
+              <a:t>.</a:t>
+            </a:r>
+          </a:p>
+          <a:p>
+            <a:pPr marL="76200" indent="0">
+              <a:lnSpc>
+                <a:spcPct val="110000"/>
+              </a:lnSpc>
+              <a:buNone/>
+            </a:pPr>
+            <a:r>
+              <a:rPr lang="ru-RU" sz="2200" dirty="0">
+                <a:solidFill>
+                  <a:schemeClr val="bg2">
+                    <a:lumMod val="75000"/>
+                    <a:lumOff val="25000"/>
+                  </a:schemeClr>
+                </a:solidFill>
+                <a:latin typeface="Tahoma" panose="020B0604030504040204" pitchFamily="34" charset="0"/>
+                <a:ea typeface="Tahoma" panose="020B0604030504040204" pitchFamily="34" charset="0"/>
+                <a:cs typeface="Tahoma" panose="020B0604030504040204" pitchFamily="34" charset="0"/>
+              </a:rPr>
+              <a:t>Имеется два файла X_bp.xlsx - с информацией о входных и выходных параметрах, состоящий из 1023 строк и 11 колонок и X_nup.xlsx - с информацией о нашивке, состоящий из 1040 строк и 4 колонок. Оба файла имеют колонки с индексами.</a:t>
+            </a:r>
+          </a:p>
+          <a:p>
+            <a:pPr marL="76200" marR="0" lvl="0" indent="0" algn="l" defTabSz="914400" rtl="0" eaLnBrk="1" fontAlgn="auto" latinLnBrk="0" hangingPunct="1">
+              <a:lnSpc>
+                <a:spcPct val="90000"/>
+              </a:lnSpc>
+              <a:spcBef>
+                <a:spcPts val="750"/>
+              </a:spcBef>
+              <a:spcAft>
+                <a:spcPts val="0"/>
+              </a:spcAft>
+              <a:buClr>
+                <a:srgbClr val="0E5DAB"/>
+              </a:buClr>
+              <a:buSzPts val="2400"/>
+              <a:buFont typeface="Noto Sans Symbols"/>
+              <a:buNone/>
+              <a:tabLst/>
+              <a:defRPr/>
+            </a:pPr>
+            <a:r>
+              <a:rPr kumimoji="0" lang="en-US" sz="1300" b="0" i="0" u="none" strike="noStrike" kern="0" cap="none" spc="0" normalizeH="0" baseline="0" noProof="0" dirty="0">
+                <a:ln>
+                  <a:noFill/>
+                </a:ln>
+                <a:solidFill>
+                  <a:srgbClr val="000000"/>
+                </a:solidFill>
+                <a:effectLst/>
+                <a:uLnTx/>
+                <a:uFillTx/>
+                <a:latin typeface="Courier New" panose="02070309020205020404" pitchFamily="49" charset="0"/>
+                <a:ea typeface="Open Sans"/>
+                <a:cs typeface="Open Sans"/>
+                <a:sym typeface="Open Sans"/>
+              </a:rPr>
+              <a:t>full_df = </a:t>
+            </a:r>
+            <a:r>
+              <a:rPr kumimoji="0" lang="en-US" sz="1300" b="0" i="0" u="none" strike="noStrike" kern="0" cap="none" spc="0" normalizeH="0" baseline="0" noProof="0" dirty="0" err="1">
+                <a:ln>
+                  <a:noFill/>
+                </a:ln>
+                <a:solidFill>
+                  <a:srgbClr val="000000"/>
+                </a:solidFill>
+                <a:effectLst/>
+                <a:uLnTx/>
+                <a:uFillTx/>
+                <a:latin typeface="Courier New" panose="02070309020205020404" pitchFamily="49" charset="0"/>
+                <a:ea typeface="Open Sans"/>
+                <a:cs typeface="Open Sans"/>
+                <a:sym typeface="Open Sans"/>
+              </a:rPr>
+              <a:t>X_bp.join</a:t>
+            </a:r>
+            <a:r>
+              <a:rPr kumimoji="0" lang="en-US" sz="1300" b="0" i="0" u="none" strike="noStrike" kern="0" cap="none" spc="0" normalizeH="0" baseline="0" noProof="0" dirty="0">
+                <a:ln>
+                  <a:noFill/>
+                </a:ln>
+                <a:solidFill>
+                  <a:srgbClr val="000000"/>
+                </a:solidFill>
+                <a:effectLst/>
+                <a:uLnTx/>
+                <a:uFillTx/>
+                <a:latin typeface="Courier New" panose="02070309020205020404" pitchFamily="49" charset="0"/>
+                <a:ea typeface="Open Sans"/>
+                <a:cs typeface="Open Sans"/>
+                <a:sym typeface="Open Sans"/>
+              </a:rPr>
+              <a:t>(X_nup)</a:t>
+            </a:r>
+            <a:endParaRPr lang="ru-RU" sz="1300" dirty="0">
+              <a:solidFill>
+                <a:schemeClr val="bg2">
+                  <a:lumMod val="75000"/>
+                  <a:lumOff val="25000"/>
+                </a:schemeClr>
+              </a:solidFill>
+              <a:latin typeface="Tahoma" panose="020B0604030504040204" pitchFamily="34" charset="0"/>
+              <a:ea typeface="Tahoma" panose="020B0604030504040204" pitchFamily="34" charset="0"/>
+              <a:cs typeface="Tahoma" panose="020B0604030504040204" pitchFamily="34" charset="0"/>
+            </a:endParaRPr>
+          </a:p>
+          <a:p>
+            <a:pPr marL="76200" indent="0">
+              <a:lnSpc>
+                <a:spcPct val="110000"/>
+              </a:lnSpc>
+              <a:buNone/>
+            </a:pPr>
+            <a:r>
+              <a:rPr lang="ru-RU" sz="2200" dirty="0">
+                <a:solidFill>
+                  <a:schemeClr val="bg2">
+                    <a:lumMod val="75000"/>
+                    <a:lumOff val="25000"/>
+                  </a:schemeClr>
+                </a:solidFill>
+                <a:latin typeface="Tahoma" panose="020B0604030504040204" pitchFamily="34" charset="0"/>
+                <a:ea typeface="Tahoma" panose="020B0604030504040204" pitchFamily="34" charset="0"/>
+                <a:cs typeface="Tahoma" panose="020B0604030504040204" pitchFamily="34" charset="0"/>
+              </a:rPr>
+              <a:t>Файлы объединяются по индексу в датасет «full_df» тип объединения INNER. Объем полученной выборки составляет 1023 строки и 13 признаков, из них 8 являются входными переменными и 5 выходными переменными.</a:t>
+            </a:r>
+          </a:p>
+          <a:p>
+            <a:pPr marL="76200" indent="0">
+              <a:lnSpc>
+                <a:spcPct val="110000"/>
+              </a:lnSpc>
+              <a:buNone/>
+            </a:pPr>
+            <a:r>
+              <a:rPr lang="ru-RU" sz="2200" dirty="0">
+                <a:solidFill>
+                  <a:schemeClr val="bg2">
+                    <a:lumMod val="75000"/>
+                    <a:lumOff val="25000"/>
+                  </a:schemeClr>
+                </a:solidFill>
+                <a:latin typeface="Tahoma" panose="020B0604030504040204" pitchFamily="34" charset="0"/>
+                <a:ea typeface="Tahoma" panose="020B0604030504040204" pitchFamily="34" charset="0"/>
+                <a:cs typeface="Tahoma" panose="020B0604030504040204" pitchFamily="34" charset="0"/>
+              </a:rPr>
+              <a:t>В данном задании колонки «Соотношение матрица-наполнитель», «Модуль упругости при растяжении, ГПа», «Прочность при растяжении, МПа» являются целевыми.</a:t>
+            </a:r>
+          </a:p>
+          <a:p>
+            <a:pPr marL="76200" indent="0">
+              <a:buNone/>
+            </a:pPr>
             <a:endParaRPr lang="ru-RU" dirty="0">
               <a:solidFill>
                 <a:schemeClr val="bg2">
@@ -17311,6 +17738,9 @@
             </a:endParaRPr>
           </a:p>
           <a:p>
+            <a:pPr marL="76200" indent="0">
+              <a:buNone/>
+            </a:pPr>
             <a:endParaRPr lang="ru-RU" dirty="0">
               <a:solidFill>
                 <a:schemeClr val="bg2">
@@ -17524,7 +17954,7 @@
         <p:spPr>
           <a:xfrm>
             <a:off x="404447" y="1081454"/>
-            <a:ext cx="11350800" cy="5095500"/>
+            <a:ext cx="11350800" cy="5188717"/>
           </a:xfrm>
           <a:prstGeom prst="rect">
             <a:avLst/>
@@ -17536,16 +17966,12 @@
         </p:spPr>
         <p:txBody>
           <a:bodyPr spcFirstLastPara="1" wrap="square" lIns="91425" tIns="45700" rIns="91425" bIns="45700" anchor="t" anchorCtr="0">
-            <a:normAutofit fontScale="92500" lnSpcReduction="10000"/>
+            <a:normAutofit fontScale="92500" lnSpcReduction="20000"/>
           </a:bodyPr>
           <a:lstStyle/>
           <a:p>
-            <a:pPr>
-              <a:lnSpc>
-                <a:spcPct val="150000"/>
-              </a:lnSpc>
-              <a:buFont typeface="Courier New" panose="02070309020205020404" pitchFamily="49" charset="0"/>
-              <a:buChar char="o"/>
+            <a:pPr marL="76200" indent="0">
+              <a:buNone/>
             </a:pPr>
             <a:r>
               <a:rPr lang="ru-RU" dirty="0">
@@ -17559,16 +17985,12 @@
                 <a:ea typeface="Tahoma" panose="020B0604030504040204" pitchFamily="34" charset="0"/>
                 <a:cs typeface="Tahoma" panose="020B0604030504040204" pitchFamily="34" charset="0"/>
               </a:rPr>
-              <a:t>Обработка дубликатов и выбросов</a:t>
+              <a:t>Выясняется, что в данных нет дубликатов, нет пропусков.</a:t>
             </a:r>
           </a:p>
           <a:p>
-            <a:pPr>
-              <a:lnSpc>
-                <a:spcPct val="150000"/>
-              </a:lnSpc>
-              <a:buFont typeface="Courier New" panose="02070309020205020404" pitchFamily="49" charset="0"/>
-              <a:buChar char="o"/>
+            <a:pPr marL="76200" indent="0">
+              <a:buNone/>
             </a:pPr>
             <a:r>
               <a:rPr lang="ru-RU" dirty="0">
@@ -17582,16 +18004,159 @@
                 <a:ea typeface="Tahoma" panose="020B0604030504040204" pitchFamily="34" charset="0"/>
                 <a:cs typeface="Tahoma" panose="020B0604030504040204" pitchFamily="34" charset="0"/>
               </a:rPr>
-              <a:t>Гистограммы распределения каждой из переменной, диаграммы ящик с усами, попарные графики рассеяния точек </a:t>
+              <a:t>Построение гистограмм распределения каждой из переменной, диаграмм ящик с усами, тепловая карта корреляций</a:t>
             </a:r>
           </a:p>
           <a:p>
-            <a:pPr>
-              <a:lnSpc>
-                <a:spcPct val="150000"/>
-              </a:lnSpc>
-              <a:buFont typeface="Courier New" panose="02070309020205020404" pitchFamily="49" charset="0"/>
-              <a:buChar char="o"/>
+            <a:pPr marL="76200" indent="0">
+              <a:buNone/>
+            </a:pPr>
+            <a:endParaRPr lang="ru-RU" dirty="0">
+              <a:solidFill>
+                <a:schemeClr val="bg2">
+                  <a:lumMod val="75000"/>
+                  <a:lumOff val="25000"/>
+                </a:schemeClr>
+              </a:solidFill>
+              <a:latin typeface="Tahoma" panose="020B0604030504040204" pitchFamily="34" charset="0"/>
+              <a:ea typeface="Tahoma" panose="020B0604030504040204" pitchFamily="34" charset="0"/>
+              <a:cs typeface="Tahoma" panose="020B0604030504040204" pitchFamily="34" charset="0"/>
+            </a:endParaRPr>
+          </a:p>
+          <a:p>
+            <a:pPr marL="76200" indent="0">
+              <a:buNone/>
+            </a:pPr>
+            <a:endParaRPr lang="ru-RU" dirty="0">
+              <a:solidFill>
+                <a:schemeClr val="bg2">
+                  <a:lumMod val="75000"/>
+                  <a:lumOff val="25000"/>
+                </a:schemeClr>
+              </a:solidFill>
+              <a:latin typeface="Tahoma" panose="020B0604030504040204" pitchFamily="34" charset="0"/>
+              <a:ea typeface="Tahoma" panose="020B0604030504040204" pitchFamily="34" charset="0"/>
+              <a:cs typeface="Tahoma" panose="020B0604030504040204" pitchFamily="34" charset="0"/>
+            </a:endParaRPr>
+          </a:p>
+          <a:p>
+            <a:pPr marL="76200" indent="0">
+              <a:buNone/>
+            </a:pPr>
+            <a:endParaRPr lang="ru-RU" dirty="0">
+              <a:solidFill>
+                <a:schemeClr val="bg2">
+                  <a:lumMod val="75000"/>
+                  <a:lumOff val="25000"/>
+                </a:schemeClr>
+              </a:solidFill>
+              <a:latin typeface="Tahoma" panose="020B0604030504040204" pitchFamily="34" charset="0"/>
+              <a:ea typeface="Tahoma" panose="020B0604030504040204" pitchFamily="34" charset="0"/>
+              <a:cs typeface="Tahoma" panose="020B0604030504040204" pitchFamily="34" charset="0"/>
+            </a:endParaRPr>
+          </a:p>
+          <a:p>
+            <a:pPr marL="76200" indent="0">
+              <a:buNone/>
+            </a:pPr>
+            <a:endParaRPr lang="ru-RU" dirty="0">
+              <a:solidFill>
+                <a:schemeClr val="bg2">
+                  <a:lumMod val="75000"/>
+                  <a:lumOff val="25000"/>
+                </a:schemeClr>
+              </a:solidFill>
+              <a:latin typeface="Tahoma" panose="020B0604030504040204" pitchFamily="34" charset="0"/>
+              <a:ea typeface="Tahoma" panose="020B0604030504040204" pitchFamily="34" charset="0"/>
+              <a:cs typeface="Tahoma" panose="020B0604030504040204" pitchFamily="34" charset="0"/>
+            </a:endParaRPr>
+          </a:p>
+          <a:p>
+            <a:pPr marL="76200" indent="0">
+              <a:buNone/>
+            </a:pPr>
+            <a:endParaRPr lang="ru-RU" dirty="0">
+              <a:solidFill>
+                <a:schemeClr val="bg2">
+                  <a:lumMod val="75000"/>
+                  <a:lumOff val="25000"/>
+                </a:schemeClr>
+              </a:solidFill>
+              <a:latin typeface="Tahoma" panose="020B0604030504040204" pitchFamily="34" charset="0"/>
+              <a:ea typeface="Tahoma" panose="020B0604030504040204" pitchFamily="34" charset="0"/>
+              <a:cs typeface="Tahoma" panose="020B0604030504040204" pitchFamily="34" charset="0"/>
+            </a:endParaRPr>
+          </a:p>
+          <a:p>
+            <a:pPr marL="76200" indent="0">
+              <a:buNone/>
+            </a:pPr>
+            <a:endParaRPr lang="ru-RU" dirty="0">
+              <a:solidFill>
+                <a:schemeClr val="bg2">
+                  <a:lumMod val="75000"/>
+                  <a:lumOff val="25000"/>
+                </a:schemeClr>
+              </a:solidFill>
+              <a:latin typeface="Tahoma" panose="020B0604030504040204" pitchFamily="34" charset="0"/>
+              <a:ea typeface="Tahoma" panose="020B0604030504040204" pitchFamily="34" charset="0"/>
+              <a:cs typeface="Tahoma" panose="020B0604030504040204" pitchFamily="34" charset="0"/>
+            </a:endParaRPr>
+          </a:p>
+          <a:p>
+            <a:pPr marL="76200" indent="0">
+              <a:buNone/>
+            </a:pPr>
+            <a:endParaRPr lang="ru-RU" dirty="0">
+              <a:solidFill>
+                <a:schemeClr val="bg2">
+                  <a:lumMod val="75000"/>
+                  <a:lumOff val="25000"/>
+                </a:schemeClr>
+              </a:solidFill>
+              <a:latin typeface="Tahoma" panose="020B0604030504040204" pitchFamily="34" charset="0"/>
+              <a:ea typeface="Tahoma" panose="020B0604030504040204" pitchFamily="34" charset="0"/>
+              <a:cs typeface="Tahoma" panose="020B0604030504040204" pitchFamily="34" charset="0"/>
+            </a:endParaRPr>
+          </a:p>
+          <a:p>
+            <a:pPr marL="76200" indent="0">
+              <a:buNone/>
+            </a:pPr>
+            <a:endParaRPr lang="ru-RU" dirty="0">
+              <a:solidFill>
+                <a:schemeClr val="bg2">
+                  <a:lumMod val="75000"/>
+                  <a:lumOff val="25000"/>
+                </a:schemeClr>
+              </a:solidFill>
+              <a:latin typeface="Tahoma" panose="020B0604030504040204" pitchFamily="34" charset="0"/>
+              <a:ea typeface="Tahoma" panose="020B0604030504040204" pitchFamily="34" charset="0"/>
+              <a:cs typeface="Tahoma" panose="020B0604030504040204" pitchFamily="34" charset="0"/>
+            </a:endParaRPr>
+          </a:p>
+          <a:p>
+            <a:pPr marL="76200" indent="0">
+              <a:buNone/>
+            </a:pPr>
+            <a:endParaRPr lang="ru-RU" dirty="0">
+              <a:solidFill>
+                <a:schemeClr val="bg2">
+                  <a:lumMod val="75000"/>
+                  <a:lumOff val="25000"/>
+                </a:schemeClr>
+              </a:solidFill>
+              <a:latin typeface="Tahoma" panose="020B0604030504040204" pitchFamily="34" charset="0"/>
+              <a:ea typeface="Tahoma" panose="020B0604030504040204" pitchFamily="34" charset="0"/>
+              <a:cs typeface="Tahoma" panose="020B0604030504040204" pitchFamily="34" charset="0"/>
+            </a:endParaRPr>
+          </a:p>
+          <a:p>
+            <a:pPr marL="76200" indent="0">
+              <a:lnSpc>
+                <a:spcPct val="120000"/>
+              </a:lnSpc>
+              <a:buNone/>
             </a:pPr>
             <a:r>
               <a:rPr lang="ru-RU" dirty="0">
@@ -17605,104 +18170,13 @@
                 <a:ea typeface="Tahoma" panose="020B0604030504040204" pitchFamily="34" charset="0"/>
                 <a:cs typeface="Tahoma" panose="020B0604030504040204" pitchFamily="34" charset="0"/>
               </a:rPr>
-              <a:t>Предобработка данных</a:t>
+              <a:t>Максимальная корреляция между плотностью нашивки и плотностью составляет 0.086, корреляция между всеми параметрами очень близка к 0, значит нет корреляционной связи между переменными. Есть выбросы.</a:t>
             </a:r>
           </a:p>
           <a:p>
-            <a:pPr>
-              <a:lnSpc>
-                <a:spcPct val="150000"/>
-              </a:lnSpc>
-              <a:buFont typeface="Courier New" panose="02070309020205020404" pitchFamily="49" charset="0"/>
-              <a:buChar char="o"/>
+            <a:pPr marL="76200" indent="0">
+              <a:buNone/>
             </a:pPr>
-            <a:r>
-              <a:rPr lang="ru-RU" dirty="0">
-                <a:solidFill>
-                  <a:schemeClr val="bg2">
-                    <a:lumMod val="75000"/>
-                    <a:lumOff val="25000"/>
-                  </a:schemeClr>
-                </a:solidFill>
-                <a:latin typeface="Tahoma" panose="020B0604030504040204" pitchFamily="34" charset="0"/>
-                <a:ea typeface="Tahoma" panose="020B0604030504040204" pitchFamily="34" charset="0"/>
-                <a:cs typeface="Tahoma" panose="020B0604030504040204" pitchFamily="34" charset="0"/>
-              </a:rPr>
-              <a:t>Обучение нескольких моделей для прогноза модуля упругости при растяжении и прочности при растяжении</a:t>
-            </a:r>
-          </a:p>
-          <a:p>
-            <a:pPr>
-              <a:lnSpc>
-                <a:spcPct val="150000"/>
-              </a:lnSpc>
-              <a:buFont typeface="Courier New" panose="02070309020205020404" pitchFamily="49" charset="0"/>
-              <a:buChar char="o"/>
-            </a:pPr>
-            <a:r>
-              <a:rPr lang="ru-RU" dirty="0">
-                <a:solidFill>
-                  <a:schemeClr val="bg2">
-                    <a:lumMod val="75000"/>
-                    <a:lumOff val="25000"/>
-                  </a:schemeClr>
-                </a:solidFill>
-                <a:latin typeface="Tahoma" panose="020B0604030504040204" pitchFamily="34" charset="0"/>
-                <a:ea typeface="Tahoma" panose="020B0604030504040204" pitchFamily="34" charset="0"/>
-                <a:cs typeface="Tahoma" panose="020B0604030504040204" pitchFamily="34" charset="0"/>
-              </a:rPr>
-              <a:t>Написание нейронной сети, которая будет рекомендовать соотношение матрица-наполнитель</a:t>
-            </a:r>
-          </a:p>
-          <a:p>
-            <a:pPr>
-              <a:lnSpc>
-                <a:spcPct val="150000"/>
-              </a:lnSpc>
-              <a:buFont typeface="Courier New" panose="02070309020205020404" pitchFamily="49" charset="0"/>
-              <a:buChar char="o"/>
-            </a:pPr>
-            <a:r>
-              <a:rPr lang="ru-RU" dirty="0">
-                <a:solidFill>
-                  <a:schemeClr val="bg2">
-                    <a:lumMod val="75000"/>
-                    <a:lumOff val="25000"/>
-                  </a:schemeClr>
-                </a:solidFill>
-                <a:latin typeface="Tahoma" panose="020B0604030504040204" pitchFamily="34" charset="0"/>
-                <a:ea typeface="Tahoma" panose="020B0604030504040204" pitchFamily="34" charset="0"/>
-                <a:cs typeface="Tahoma" panose="020B0604030504040204" pitchFamily="34" charset="0"/>
-              </a:rPr>
-              <a:t>Разработка приложения </a:t>
-            </a:r>
-            <a:r>
-              <a:rPr lang="en-US" dirty="0">
-                <a:solidFill>
-                  <a:schemeClr val="bg2">
-                    <a:lumMod val="75000"/>
-                    <a:lumOff val="25000"/>
-                  </a:schemeClr>
-                </a:solidFill>
-                <a:latin typeface="Tahoma" panose="020B0604030504040204" pitchFamily="34" charset="0"/>
-                <a:ea typeface="Tahoma" panose="020B0604030504040204" pitchFamily="34" charset="0"/>
-                <a:cs typeface="Tahoma" panose="020B0604030504040204" pitchFamily="34" charset="0"/>
-              </a:rPr>
-              <a:t>Flask</a:t>
-            </a:r>
-            <a:endParaRPr lang="ru-RU" dirty="0">
-              <a:solidFill>
-                <a:schemeClr val="bg2">
-                  <a:lumMod val="75000"/>
-                  <a:lumOff val="25000"/>
-                </a:schemeClr>
-              </a:solidFill>
-              <a:latin typeface="Tahoma" panose="020B0604030504040204" pitchFamily="34" charset="0"/>
-              <a:ea typeface="Tahoma" panose="020B0604030504040204" pitchFamily="34" charset="0"/>
-              <a:cs typeface="Tahoma" panose="020B0604030504040204" pitchFamily="34" charset="0"/>
-            </a:endParaRPr>
-          </a:p>
-          <a:p>
             <a:endParaRPr lang="ru-RU" dirty="0">
               <a:solidFill>
                 <a:schemeClr val="bg2">
@@ -17874,6 +18348,66 @@
           </a:p>
         </p:txBody>
       </p:sp>
+      <p:pic>
+        <p:nvPicPr>
+          <p:cNvPr id="4" name="Рисунок 3">
+            <a:extLst>
+              <a:ext uri="{FF2B5EF4-FFF2-40B4-BE49-F238E27FC236}">
+                <a16:creationId xmlns:a16="http://schemas.microsoft.com/office/drawing/2014/main" id="{A0FD719A-83B7-9A8E-BBD9-396B9C812402}"/>
+              </a:ext>
+            </a:extLst>
+          </p:cNvPr>
+          <p:cNvPicPr>
+            <a:picLocks noChangeAspect="1"/>
+          </p:cNvPicPr>
+          <p:nvPr/>
+        </p:nvPicPr>
+        <p:blipFill>
+          <a:blip r:embed="rId3"/>
+          <a:stretch>
+            <a:fillRect/>
+          </a:stretch>
+        </p:blipFill>
+        <p:spPr>
+          <a:xfrm>
+            <a:off x="436754" y="2145574"/>
+            <a:ext cx="5698570" cy="2913314"/>
+          </a:xfrm>
+          <a:prstGeom prst="rect">
+            <a:avLst/>
+          </a:prstGeom>
+        </p:spPr>
+      </p:pic>
+      <p:pic>
+        <p:nvPicPr>
+          <p:cNvPr id="6" name="Рисунок 5">
+            <a:extLst>
+              <a:ext uri="{FF2B5EF4-FFF2-40B4-BE49-F238E27FC236}">
+                <a16:creationId xmlns:a16="http://schemas.microsoft.com/office/drawing/2014/main" id="{E55C1957-FEC6-4980-8FB5-28F9DC8396FC}"/>
+              </a:ext>
+            </a:extLst>
+          </p:cNvPr>
+          <p:cNvPicPr>
+            <a:picLocks noChangeAspect="1"/>
+          </p:cNvPicPr>
+          <p:nvPr/>
+        </p:nvPicPr>
+        <p:blipFill>
+          <a:blip r:embed="rId4"/>
+          <a:stretch>
+            <a:fillRect/>
+          </a:stretch>
+        </p:blipFill>
+        <p:spPr>
+          <a:xfrm>
+            <a:off x="6424552" y="2145574"/>
+            <a:ext cx="5363001" cy="2913314"/>
+          </a:xfrm>
+          <a:prstGeom prst="rect">
+            <a:avLst/>
+          </a:prstGeom>
+        </p:spPr>
+      </p:pic>
     </p:spTree>
     <p:extLst>
       <p:ext uri="{BB962C8B-B14F-4D97-AF65-F5344CB8AC3E}">
@@ -17945,110 +18479,9 @@
           </a:bodyPr>
           <a:lstStyle/>
           <a:p>
-            <a:pPr>
-              <a:lnSpc>
-                <a:spcPct val="150000"/>
-              </a:lnSpc>
-              <a:buFont typeface="Courier New" panose="02070309020205020404" pitchFamily="49" charset="0"/>
-              <a:buChar char="o"/>
+            <a:pPr marL="76200" indent="0">
+              <a:buNone/>
             </a:pPr>
-            <a:r>
-              <a:rPr lang="ru-RU" dirty="0">
-                <a:solidFill>
-                  <a:schemeClr val="bg2">
-                    <a:lumMod val="75000"/>
-                    <a:lumOff val="25000"/>
-                  </a:schemeClr>
-                </a:solidFill>
-                <a:latin typeface="Tahoma" panose="020B0604030504040204" pitchFamily="34" charset="0"/>
-                <a:ea typeface="Tahoma" panose="020B0604030504040204" pitchFamily="34" charset="0"/>
-                <a:cs typeface="Tahoma" panose="020B0604030504040204" pitchFamily="34" charset="0"/>
-              </a:rPr>
-              <a:t>Предобработка данных</a:t>
-            </a:r>
-          </a:p>
-          <a:p>
-            <a:pPr>
-              <a:lnSpc>
-                <a:spcPct val="150000"/>
-              </a:lnSpc>
-              <a:buFont typeface="Courier New" panose="02070309020205020404" pitchFamily="49" charset="0"/>
-              <a:buChar char="o"/>
-            </a:pPr>
-            <a:r>
-              <a:rPr lang="ru-RU" dirty="0">
-                <a:solidFill>
-                  <a:schemeClr val="bg2">
-                    <a:lumMod val="75000"/>
-                    <a:lumOff val="25000"/>
-                  </a:schemeClr>
-                </a:solidFill>
-                <a:latin typeface="Tahoma" panose="020B0604030504040204" pitchFamily="34" charset="0"/>
-                <a:ea typeface="Tahoma" panose="020B0604030504040204" pitchFamily="34" charset="0"/>
-                <a:cs typeface="Tahoma" panose="020B0604030504040204" pitchFamily="34" charset="0"/>
-              </a:rPr>
-              <a:t>Обучение нескольких моделей для прогноза модуля упругости при растяжении и прочности при растяжении</a:t>
-            </a:r>
-          </a:p>
-          <a:p>
-            <a:pPr>
-              <a:lnSpc>
-                <a:spcPct val="150000"/>
-              </a:lnSpc>
-              <a:buFont typeface="Courier New" panose="02070309020205020404" pitchFamily="49" charset="0"/>
-              <a:buChar char="o"/>
-            </a:pPr>
-            <a:r>
-              <a:rPr lang="ru-RU" dirty="0">
-                <a:solidFill>
-                  <a:schemeClr val="bg2">
-                    <a:lumMod val="75000"/>
-                    <a:lumOff val="25000"/>
-                  </a:schemeClr>
-                </a:solidFill>
-                <a:latin typeface="Tahoma" panose="020B0604030504040204" pitchFamily="34" charset="0"/>
-                <a:ea typeface="Tahoma" panose="020B0604030504040204" pitchFamily="34" charset="0"/>
-                <a:cs typeface="Tahoma" panose="020B0604030504040204" pitchFamily="34" charset="0"/>
-              </a:rPr>
-              <a:t>Написание нейронной сети, которая будет рекомендовать соотношение матрица-наполнитель</a:t>
-            </a:r>
-          </a:p>
-          <a:p>
-            <a:pPr>
-              <a:lnSpc>
-                <a:spcPct val="150000"/>
-              </a:lnSpc>
-              <a:buFont typeface="Courier New" panose="02070309020205020404" pitchFamily="49" charset="0"/>
-              <a:buChar char="o"/>
-            </a:pPr>
-            <a:r>
-              <a:rPr lang="ru-RU" dirty="0">
-                <a:solidFill>
-                  <a:schemeClr val="bg2">
-                    <a:lumMod val="75000"/>
-                    <a:lumOff val="25000"/>
-                  </a:schemeClr>
-                </a:solidFill>
-                <a:latin typeface="Tahoma" panose="020B0604030504040204" pitchFamily="34" charset="0"/>
-                <a:ea typeface="Tahoma" panose="020B0604030504040204" pitchFamily="34" charset="0"/>
-                <a:cs typeface="Tahoma" panose="020B0604030504040204" pitchFamily="34" charset="0"/>
-              </a:rPr>
-              <a:t>Разработка приложения </a:t>
-            </a:r>
-            <a:r>
-              <a:rPr lang="en-US" dirty="0">
-                <a:solidFill>
-                  <a:schemeClr val="bg2">
-                    <a:lumMod val="75000"/>
-                    <a:lumOff val="25000"/>
-                  </a:schemeClr>
-                </a:solidFill>
-                <a:latin typeface="Tahoma" panose="020B0604030504040204" pitchFamily="34" charset="0"/>
-                <a:ea typeface="Tahoma" panose="020B0604030504040204" pitchFamily="34" charset="0"/>
-                <a:cs typeface="Tahoma" panose="020B0604030504040204" pitchFamily="34" charset="0"/>
-              </a:rPr>
-              <a:t>Flask</a:t>
-            </a:r>
             <a:endParaRPr lang="ru-RU" dirty="0">
               <a:solidFill>
                 <a:schemeClr val="bg2">
@@ -18076,6 +18509,158 @@
           </a:p>
           <a:p>
             <a:endParaRPr lang="ru-RU" dirty="0">
+              <a:solidFill>
+                <a:schemeClr val="bg2">
+                  <a:lumMod val="75000"/>
+                  <a:lumOff val="25000"/>
+                </a:schemeClr>
+              </a:solidFill>
+              <a:latin typeface="Tahoma" panose="020B0604030504040204" pitchFamily="34" charset="0"/>
+              <a:ea typeface="Tahoma" panose="020B0604030504040204" pitchFamily="34" charset="0"/>
+              <a:cs typeface="Tahoma" panose="020B0604030504040204" pitchFamily="34" charset="0"/>
+            </a:endParaRPr>
+          </a:p>
+          <a:p>
+            <a:endParaRPr lang="ru-RU" dirty="0">
+              <a:solidFill>
+                <a:schemeClr val="bg2">
+                  <a:lumMod val="75000"/>
+                  <a:lumOff val="25000"/>
+                </a:schemeClr>
+              </a:solidFill>
+              <a:latin typeface="Tahoma" panose="020B0604030504040204" pitchFamily="34" charset="0"/>
+              <a:ea typeface="Tahoma" panose="020B0604030504040204" pitchFamily="34" charset="0"/>
+              <a:cs typeface="Tahoma" panose="020B0604030504040204" pitchFamily="34" charset="0"/>
+            </a:endParaRPr>
+          </a:p>
+          <a:p>
+            <a:endParaRPr lang="ru-RU" dirty="0">
+              <a:solidFill>
+                <a:schemeClr val="bg2">
+                  <a:lumMod val="75000"/>
+                  <a:lumOff val="25000"/>
+                </a:schemeClr>
+              </a:solidFill>
+              <a:latin typeface="Tahoma" panose="020B0604030504040204" pitchFamily="34" charset="0"/>
+              <a:ea typeface="Tahoma" panose="020B0604030504040204" pitchFamily="34" charset="0"/>
+              <a:cs typeface="Tahoma" panose="020B0604030504040204" pitchFamily="34" charset="0"/>
+            </a:endParaRPr>
+          </a:p>
+          <a:p>
+            <a:endParaRPr lang="ru-RU" dirty="0">
+              <a:solidFill>
+                <a:schemeClr val="bg2">
+                  <a:lumMod val="75000"/>
+                  <a:lumOff val="25000"/>
+                </a:schemeClr>
+              </a:solidFill>
+              <a:latin typeface="Tahoma" panose="020B0604030504040204" pitchFamily="34" charset="0"/>
+              <a:ea typeface="Tahoma" panose="020B0604030504040204" pitchFamily="34" charset="0"/>
+              <a:cs typeface="Tahoma" panose="020B0604030504040204" pitchFamily="34" charset="0"/>
+            </a:endParaRPr>
+          </a:p>
+          <a:p>
+            <a:endParaRPr lang="ru-RU" dirty="0">
+              <a:solidFill>
+                <a:schemeClr val="bg2">
+                  <a:lumMod val="75000"/>
+                  <a:lumOff val="25000"/>
+                </a:schemeClr>
+              </a:solidFill>
+              <a:latin typeface="Tahoma" panose="020B0604030504040204" pitchFamily="34" charset="0"/>
+              <a:ea typeface="Tahoma" panose="020B0604030504040204" pitchFamily="34" charset="0"/>
+              <a:cs typeface="Tahoma" panose="020B0604030504040204" pitchFamily="34" charset="0"/>
+            </a:endParaRPr>
+          </a:p>
+          <a:p>
+            <a:endParaRPr lang="ru-RU" dirty="0">
+              <a:solidFill>
+                <a:schemeClr val="bg2">
+                  <a:lumMod val="75000"/>
+                  <a:lumOff val="25000"/>
+                </a:schemeClr>
+              </a:solidFill>
+              <a:latin typeface="Tahoma" panose="020B0604030504040204" pitchFamily="34" charset="0"/>
+              <a:ea typeface="Tahoma" panose="020B0604030504040204" pitchFamily="34" charset="0"/>
+              <a:cs typeface="Tahoma" panose="020B0604030504040204" pitchFamily="34" charset="0"/>
+            </a:endParaRPr>
+          </a:p>
+          <a:p>
+            <a:pPr marL="76200" indent="0">
+              <a:buNone/>
+            </a:pPr>
+            <a:r>
+              <a:rPr lang="ru-RU" sz="1800" dirty="0">
+                <a:solidFill>
+                  <a:schemeClr val="bg2">
+                    <a:lumMod val="75000"/>
+                    <a:lumOff val="25000"/>
+                  </a:schemeClr>
+                </a:solidFill>
+                <a:effectLst/>
+                <a:latin typeface="Tahoma" panose="020B0604030504040204" pitchFamily="34" charset="0"/>
+                <a:ea typeface="Tahoma" panose="020B0604030504040204" pitchFamily="34" charset="0"/>
+                <a:cs typeface="Tahoma" panose="020B0604030504040204" pitchFamily="34" charset="0"/>
+              </a:rPr>
+              <a:t>Выбросы удалены. Данные имеют разный масштаб.</a:t>
+            </a:r>
+          </a:p>
+          <a:p>
+            <a:pPr marL="76200" indent="0">
+              <a:buNone/>
+            </a:pPr>
+            <a:endParaRPr lang="ru-RU" sz="1800" dirty="0">
+              <a:solidFill>
+                <a:schemeClr val="bg2">
+                  <a:lumMod val="75000"/>
+                  <a:lumOff val="25000"/>
+                </a:schemeClr>
+              </a:solidFill>
+              <a:latin typeface="Tahoma" panose="020B0604030504040204" pitchFamily="34" charset="0"/>
+              <a:ea typeface="Tahoma" panose="020B0604030504040204" pitchFamily="34" charset="0"/>
+              <a:cs typeface="Tahoma" panose="020B0604030504040204" pitchFamily="34" charset="0"/>
+            </a:endParaRPr>
+          </a:p>
+          <a:p>
+            <a:pPr marL="76200" indent="0">
+              <a:buNone/>
+            </a:pPr>
+            <a:r>
+              <a:rPr lang="ru-RU" sz="1800" dirty="0">
+                <a:solidFill>
+                  <a:schemeClr val="bg2">
+                    <a:lumMod val="75000"/>
+                    <a:lumOff val="25000"/>
+                  </a:schemeClr>
+                </a:solidFill>
+                <a:effectLst/>
+                <a:latin typeface="Tahoma" panose="020B0604030504040204" pitchFamily="34" charset="0"/>
+                <a:ea typeface="Tahoma" panose="020B0604030504040204" pitchFamily="34" charset="0"/>
+                <a:cs typeface="Tahoma" panose="020B0604030504040204" pitchFamily="34" charset="0"/>
+              </a:rPr>
+              <a:t>На попарных графиках распределения не видно</a:t>
+            </a:r>
+          </a:p>
+          <a:p>
+            <a:pPr marL="76200" indent="0">
+              <a:buNone/>
+            </a:pPr>
+            <a:r>
+              <a:rPr lang="ru-RU" sz="1800" dirty="0">
+                <a:solidFill>
+                  <a:schemeClr val="bg2">
+                    <a:lumMod val="75000"/>
+                    <a:lumOff val="25000"/>
+                  </a:schemeClr>
+                </a:solidFill>
+                <a:effectLst/>
+                <a:latin typeface="Tahoma" panose="020B0604030504040204" pitchFamily="34" charset="0"/>
+                <a:ea typeface="Tahoma" panose="020B0604030504040204" pitchFamily="34" charset="0"/>
+                <a:cs typeface="Tahoma" panose="020B0604030504040204" pitchFamily="34" charset="0"/>
+              </a:rPr>
+              <a:t>корреляции между признаками.</a:t>
+            </a:r>
+            <a:endParaRPr lang="ru-RU" sz="1800" dirty="0">
               <a:solidFill>
                 <a:schemeClr val="bg2">
                   <a:lumMod val="75000"/>
@@ -18228,11 +18813,71 @@
                 <a:ea typeface="Tahoma" panose="020B0604030504040204" pitchFamily="34" charset="0"/>
                 <a:cs typeface="Tahoma" panose="020B0604030504040204" pitchFamily="34" charset="0"/>
               </a:rPr>
-              <a:t>Гистограммы распределения каждой из переменной, диаграммы ящик с усами, попарные графики рассеяния точек </a:t>
+              <a:t>Гистограммы распределения каждой переменной, диаграммы ящик с усами, попарные графики рассеяния точек </a:t>
             </a:r>
           </a:p>
         </p:txBody>
       </p:sp>
+      <p:pic>
+        <p:nvPicPr>
+          <p:cNvPr id="4" name="Рисунок 3">
+            <a:extLst>
+              <a:ext uri="{FF2B5EF4-FFF2-40B4-BE49-F238E27FC236}">
+                <a16:creationId xmlns:a16="http://schemas.microsoft.com/office/drawing/2014/main" id="{0359FD5D-074E-4073-BF2E-7DC924E3B708}"/>
+              </a:ext>
+            </a:extLst>
+          </p:cNvPr>
+          <p:cNvPicPr>
+            <a:picLocks noChangeAspect="1"/>
+          </p:cNvPicPr>
+          <p:nvPr/>
+        </p:nvPicPr>
+        <p:blipFill>
+          <a:blip r:embed="rId3"/>
+          <a:stretch>
+            <a:fillRect/>
+          </a:stretch>
+        </p:blipFill>
+        <p:spPr>
+          <a:xfrm>
+            <a:off x="404447" y="1142215"/>
+            <a:ext cx="5913226" cy="3204421"/>
+          </a:xfrm>
+          <a:prstGeom prst="rect">
+            <a:avLst/>
+          </a:prstGeom>
+        </p:spPr>
+      </p:pic>
+      <p:pic>
+        <p:nvPicPr>
+          <p:cNvPr id="5" name="Рисунок 4">
+            <a:extLst>
+              <a:ext uri="{FF2B5EF4-FFF2-40B4-BE49-F238E27FC236}">
+                <a16:creationId xmlns:a16="http://schemas.microsoft.com/office/drawing/2014/main" id="{A461C0D9-E369-3AA8-7021-FE6CFB63524F}"/>
+              </a:ext>
+            </a:extLst>
+          </p:cNvPr>
+          <p:cNvPicPr>
+            <a:picLocks noChangeAspect="1"/>
+          </p:cNvPicPr>
+          <p:nvPr/>
+        </p:nvPicPr>
+        <p:blipFill>
+          <a:blip r:embed="rId4"/>
+          <a:stretch>
+            <a:fillRect/>
+          </a:stretch>
+        </p:blipFill>
+        <p:spPr>
+          <a:xfrm>
+            <a:off x="6460388" y="1129808"/>
+            <a:ext cx="5327165" cy="5047146"/>
+          </a:xfrm>
+          <a:prstGeom prst="rect">
+            <a:avLst/>
+          </a:prstGeom>
+        </p:spPr>
+      </p:pic>
     </p:spTree>
     <p:extLst>
       <p:ext uri="{BB962C8B-B14F-4D97-AF65-F5344CB8AC3E}">
@@ -18287,8 +18932,8 @@
         </p:nvSpPr>
         <p:spPr>
           <a:xfrm>
-            <a:off x="404447" y="1081454"/>
-            <a:ext cx="11350800" cy="5095500"/>
+            <a:off x="3411537" y="1081454"/>
+            <a:ext cx="8131279" cy="2415092"/>
           </a:xfrm>
           <a:prstGeom prst="rect">
             <a:avLst/>
@@ -18300,16 +18945,12 @@
         </p:spPr>
         <p:txBody>
           <a:bodyPr spcFirstLastPara="1" wrap="square" lIns="91425" tIns="45700" rIns="91425" bIns="45700" anchor="t" anchorCtr="0">
-            <a:normAutofit/>
+            <a:normAutofit lnSpcReduction="10000"/>
           </a:bodyPr>
           <a:lstStyle/>
           <a:p>
-            <a:pPr>
-              <a:lnSpc>
-                <a:spcPct val="150000"/>
-              </a:lnSpc>
-              <a:buFont typeface="Courier New" panose="02070309020205020404" pitchFamily="49" charset="0"/>
-              <a:buChar char="o"/>
+            <a:pPr marL="76200" indent="0">
+              <a:buNone/>
             </a:pPr>
             <a:r>
               <a:rPr lang="ru-RU" dirty="0">
@@ -18323,16 +18964,12 @@
                 <a:ea typeface="Tahoma" panose="020B0604030504040204" pitchFamily="34" charset="0"/>
                 <a:cs typeface="Tahoma" panose="020B0604030504040204" pitchFamily="34" charset="0"/>
               </a:rPr>
-              <a:t>Обучение нескольких моделей для прогноза модуля упругости при растяжении и прочности при растяжении</a:t>
+              <a:t>Среднее и медианное значения по всем колонкам приблизительно равны за исключением поверхностной плотности. Здесь отклонение составляет 5.2%. Ранее на гистограмме можно было видеть на этом признаке смещение распределения влево. Для исправления можно извлечь корень.</a:t>
             </a:r>
           </a:p>
           <a:p>
-            <a:pPr>
-              <a:lnSpc>
-                <a:spcPct val="150000"/>
-              </a:lnSpc>
-              <a:buFont typeface="Courier New" panose="02070309020205020404" pitchFamily="49" charset="0"/>
-              <a:buChar char="o"/>
+            <a:pPr marL="76200" indent="0">
+              <a:buNone/>
             </a:pPr>
             <a:r>
               <a:rPr lang="ru-RU" dirty="0">
@@ -18346,82 +18983,108 @@
                 <a:ea typeface="Tahoma" panose="020B0604030504040204" pitchFamily="34" charset="0"/>
                 <a:cs typeface="Tahoma" panose="020B0604030504040204" pitchFamily="34" charset="0"/>
               </a:rPr>
-              <a:t>Написание нейронной сети, которая будет рекомендовать соотношение матрица-наполнитель</a:t>
-            </a:r>
-          </a:p>
-          <a:p>
-            <a:pPr>
-              <a:lnSpc>
-                <a:spcPct val="150000"/>
-              </a:lnSpc>
-              <a:buFont typeface="Courier New" panose="02070309020205020404" pitchFamily="49" charset="0"/>
-              <a:buChar char="o"/>
-            </a:pPr>
-            <a:r>
-              <a:rPr lang="ru-RU" dirty="0">
-                <a:solidFill>
-                  <a:schemeClr val="bg2">
-                    <a:lumMod val="75000"/>
-                    <a:lumOff val="25000"/>
-                  </a:schemeClr>
-                </a:solidFill>
-                <a:latin typeface="Tahoma" panose="020B0604030504040204" pitchFamily="34" charset="0"/>
-                <a:ea typeface="Tahoma" panose="020B0604030504040204" pitchFamily="34" charset="0"/>
-                <a:cs typeface="Tahoma" panose="020B0604030504040204" pitchFamily="34" charset="0"/>
-              </a:rPr>
-              <a:t>Разработка приложения </a:t>
+              <a:t> </a:t>
             </a:r>
             <a:r>
-              <a:rPr lang="en-US" dirty="0">
+              <a:rPr lang="ru-RU" sz="1100" b="0" dirty="0" err="1">
                 <a:solidFill>
-                  <a:schemeClr val="bg2">
-                    <a:lumMod val="75000"/>
-                    <a:lumOff val="25000"/>
-                  </a:schemeClr>
+                  <a:srgbClr val="000000"/>
                 </a:solidFill>
-                <a:latin typeface="Tahoma" panose="020B0604030504040204" pitchFamily="34" charset="0"/>
-                <a:ea typeface="Tahoma" panose="020B0604030504040204" pitchFamily="34" charset="0"/>
-                <a:cs typeface="Tahoma" panose="020B0604030504040204" pitchFamily="34" charset="0"/>
+                <a:effectLst/>
+                <a:latin typeface="Courier New" panose="02070309020205020404" pitchFamily="49" charset="0"/>
               </a:rPr>
-              <a:t>Flask</a:t>
+              <a:t>sqrt_df</a:t>
             </a:r>
-            <a:endParaRPr lang="ru-RU" dirty="0">
-              <a:solidFill>
-                <a:schemeClr val="bg2">
-                  <a:lumMod val="75000"/>
-                  <a:lumOff val="25000"/>
-                </a:schemeClr>
-              </a:solidFill>
-              <a:latin typeface="Tahoma" panose="020B0604030504040204" pitchFamily="34" charset="0"/>
-              <a:ea typeface="Tahoma" panose="020B0604030504040204" pitchFamily="34" charset="0"/>
-              <a:cs typeface="Tahoma" panose="020B0604030504040204" pitchFamily="34" charset="0"/>
-            </a:endParaRPr>
-          </a:p>
-          <a:p>
-            <a:endParaRPr lang="ru-RU" dirty="0">
-              <a:solidFill>
-                <a:schemeClr val="bg2">
-                  <a:lumMod val="75000"/>
-                  <a:lumOff val="25000"/>
-                </a:schemeClr>
-              </a:solidFill>
-              <a:latin typeface="Tahoma" panose="020B0604030504040204" pitchFamily="34" charset="0"/>
-              <a:ea typeface="Tahoma" panose="020B0604030504040204" pitchFamily="34" charset="0"/>
-              <a:cs typeface="Tahoma" panose="020B0604030504040204" pitchFamily="34" charset="0"/>
-            </a:endParaRPr>
-          </a:p>
-          <a:p>
-            <a:endParaRPr lang="ru-RU" dirty="0">
-              <a:solidFill>
-                <a:schemeClr val="bg2">
-                  <a:lumMod val="75000"/>
-                  <a:lumOff val="25000"/>
-                </a:schemeClr>
-              </a:solidFill>
-              <a:latin typeface="Tahoma" panose="020B0604030504040204" pitchFamily="34" charset="0"/>
-              <a:ea typeface="Tahoma" panose="020B0604030504040204" pitchFamily="34" charset="0"/>
-              <a:cs typeface="Tahoma" panose="020B0604030504040204" pitchFamily="34" charset="0"/>
-            </a:endParaRPr>
+            <a:r>
+              <a:rPr lang="ru-RU" sz="1100" b="0" dirty="0">
+                <a:solidFill>
+                  <a:srgbClr val="000000"/>
+                </a:solidFill>
+                <a:effectLst/>
+                <a:latin typeface="Courier New" panose="02070309020205020404" pitchFamily="49" charset="0"/>
+              </a:rPr>
+              <a:t>[</a:t>
+            </a:r>
+            <a:r>
+              <a:rPr lang="ru-RU" sz="1100" b="0" dirty="0">
+                <a:solidFill>
+                  <a:srgbClr val="A31515"/>
+                </a:solidFill>
+                <a:effectLst/>
+                <a:latin typeface="Courier New" panose="02070309020205020404" pitchFamily="49" charset="0"/>
+              </a:rPr>
+              <a:t>'Поверхностная плотность, г/м2'</a:t>
+            </a:r>
+            <a:r>
+              <a:rPr lang="ru-RU" sz="1100" b="0" dirty="0">
+                <a:solidFill>
+                  <a:srgbClr val="000000"/>
+                </a:solidFill>
+                <a:effectLst/>
+                <a:latin typeface="Courier New" panose="02070309020205020404" pitchFamily="49" charset="0"/>
+              </a:rPr>
+              <a:t>] = </a:t>
+            </a:r>
+            <a:r>
+              <a:rPr lang="ru-RU" sz="1100" b="0" dirty="0" err="1">
+                <a:solidFill>
+                  <a:srgbClr val="000000"/>
+                </a:solidFill>
+                <a:effectLst/>
+                <a:latin typeface="Courier New" panose="02070309020205020404" pitchFamily="49" charset="0"/>
+              </a:rPr>
+              <a:t>np.sqrt</a:t>
+            </a:r>
+            <a:r>
+              <a:rPr lang="ru-RU" sz="1100" b="0" dirty="0">
+                <a:solidFill>
+                  <a:srgbClr val="000000"/>
+                </a:solidFill>
+                <a:effectLst/>
+                <a:latin typeface="Courier New" panose="02070309020205020404" pitchFamily="49" charset="0"/>
+              </a:rPr>
+              <a:t>(</a:t>
+            </a:r>
+            <a:r>
+              <a:rPr lang="ru-RU" sz="1100" b="0" dirty="0" err="1">
+                <a:solidFill>
+                  <a:srgbClr val="000000"/>
+                </a:solidFill>
+                <a:effectLst/>
+                <a:latin typeface="Courier New" panose="02070309020205020404" pitchFamily="49" charset="0"/>
+              </a:rPr>
+              <a:t>sqrt_df</a:t>
+            </a:r>
+            <a:r>
+              <a:rPr lang="ru-RU" sz="1100" b="0" dirty="0">
+                <a:solidFill>
+                  <a:srgbClr val="000000"/>
+                </a:solidFill>
+                <a:effectLst/>
+                <a:latin typeface="Courier New" panose="02070309020205020404" pitchFamily="49" charset="0"/>
+              </a:rPr>
+              <a:t>[</a:t>
+            </a:r>
+            <a:r>
+              <a:rPr lang="ru-RU" sz="1100" b="0" dirty="0">
+                <a:solidFill>
+                  <a:srgbClr val="A31515"/>
+                </a:solidFill>
+                <a:effectLst/>
+                <a:latin typeface="Courier New" panose="02070309020205020404" pitchFamily="49" charset="0"/>
+              </a:rPr>
+              <a:t>'Поверхностная плотность, г/м2’</a:t>
+            </a:r>
+            <a:r>
+              <a:rPr lang="ru-RU" sz="1100" b="0" dirty="0">
+                <a:solidFill>
+                  <a:srgbClr val="000000"/>
+                </a:solidFill>
+                <a:effectLst/>
+                <a:latin typeface="Courier New" panose="02070309020205020404" pitchFamily="49" charset="0"/>
+              </a:rPr>
+              <a:t>]</a:t>
+            </a:r>
           </a:p>
         </p:txBody>
       </p:sp>
@@ -18566,6 +19229,502 @@
               </a:rPr>
               <a:t>Предобработка данных</a:t>
             </a:r>
+          </a:p>
+        </p:txBody>
+      </p:sp>
+      <p:pic>
+        <p:nvPicPr>
+          <p:cNvPr id="4" name="Рисунок 3">
+            <a:extLst>
+              <a:ext uri="{FF2B5EF4-FFF2-40B4-BE49-F238E27FC236}">
+                <a16:creationId xmlns:a16="http://schemas.microsoft.com/office/drawing/2014/main" id="{03FC65F1-8E5F-EE0F-E89A-24C0CF7B30A4}"/>
+              </a:ext>
+            </a:extLst>
+          </p:cNvPr>
+          <p:cNvPicPr>
+            <a:picLocks noChangeAspect="1"/>
+          </p:cNvPicPr>
+          <p:nvPr/>
+        </p:nvPicPr>
+        <p:blipFill>
+          <a:blip r:embed="rId3"/>
+          <a:stretch>
+            <a:fillRect/>
+          </a:stretch>
+        </p:blipFill>
+        <p:spPr>
+          <a:xfrm>
+            <a:off x="404447" y="1081455"/>
+            <a:ext cx="3007090" cy="2347546"/>
+          </a:xfrm>
+          <a:prstGeom prst="rect">
+            <a:avLst/>
+          </a:prstGeom>
+        </p:spPr>
+      </p:pic>
+      <p:pic>
+        <p:nvPicPr>
+          <p:cNvPr id="6" name="Рисунок 5">
+            <a:extLst>
+              <a:ext uri="{FF2B5EF4-FFF2-40B4-BE49-F238E27FC236}">
+                <a16:creationId xmlns:a16="http://schemas.microsoft.com/office/drawing/2014/main" id="{20479118-191F-1A4B-3A26-709767B9F7D3}"/>
+              </a:ext>
+            </a:extLst>
+          </p:cNvPr>
+          <p:cNvPicPr>
+            <a:picLocks noChangeAspect="1"/>
+          </p:cNvPicPr>
+          <p:nvPr/>
+        </p:nvPicPr>
+        <p:blipFill>
+          <a:blip r:embed="rId4"/>
+          <a:stretch>
+            <a:fillRect/>
+          </a:stretch>
+        </p:blipFill>
+        <p:spPr>
+          <a:xfrm>
+            <a:off x="436753" y="3680796"/>
+            <a:ext cx="3458353" cy="2095749"/>
+          </a:xfrm>
+          <a:prstGeom prst="rect">
+            <a:avLst/>
+          </a:prstGeom>
+        </p:spPr>
+      </p:pic>
+      <p:pic>
+        <p:nvPicPr>
+          <p:cNvPr id="8" name="Рисунок 7">
+            <a:extLst>
+              <a:ext uri="{FF2B5EF4-FFF2-40B4-BE49-F238E27FC236}">
+                <a16:creationId xmlns:a16="http://schemas.microsoft.com/office/drawing/2014/main" id="{A94FA9E7-F445-F12C-8C3C-64B5A7C726CF}"/>
+              </a:ext>
+            </a:extLst>
+          </p:cNvPr>
+          <p:cNvPicPr>
+            <a:picLocks noChangeAspect="1"/>
+          </p:cNvPicPr>
+          <p:nvPr/>
+        </p:nvPicPr>
+        <p:blipFill>
+          <a:blip r:embed="rId5"/>
+          <a:stretch>
+            <a:fillRect/>
+          </a:stretch>
+        </p:blipFill>
+        <p:spPr>
+          <a:xfrm>
+            <a:off x="4275110" y="3680796"/>
+            <a:ext cx="3458354" cy="2095750"/>
+          </a:xfrm>
+          <a:prstGeom prst="rect">
+            <a:avLst/>
+          </a:prstGeom>
+        </p:spPr>
+      </p:pic>
+      <p:pic>
+        <p:nvPicPr>
+          <p:cNvPr id="12" name="Рисунок 11">
+            <a:extLst>
+              <a:ext uri="{FF2B5EF4-FFF2-40B4-BE49-F238E27FC236}">
+                <a16:creationId xmlns:a16="http://schemas.microsoft.com/office/drawing/2014/main" id="{0AC4A3CA-CB86-B140-F88E-EBA7FDE38124}"/>
+              </a:ext>
+            </a:extLst>
+          </p:cNvPr>
+          <p:cNvPicPr>
+            <a:picLocks noChangeAspect="1"/>
+          </p:cNvPicPr>
+          <p:nvPr/>
+        </p:nvPicPr>
+        <p:blipFill>
+          <a:blip r:embed="rId6"/>
+          <a:stretch>
+            <a:fillRect/>
+          </a:stretch>
+        </p:blipFill>
+        <p:spPr>
+          <a:xfrm>
+            <a:off x="8113469" y="3680796"/>
+            <a:ext cx="3458354" cy="2095750"/>
+          </a:xfrm>
+          <a:prstGeom prst="rect">
+            <a:avLst/>
+          </a:prstGeom>
+        </p:spPr>
+      </p:pic>
+      <p:sp>
+        <p:nvSpPr>
+          <p:cNvPr id="13" name="Google Shape;126;p2">
+            <a:extLst>
+              <a:ext uri="{FF2B5EF4-FFF2-40B4-BE49-F238E27FC236}">
+                <a16:creationId xmlns:a16="http://schemas.microsoft.com/office/drawing/2014/main" id="{0AD6396C-7F55-CA5A-A23C-21D86FBA87D9}"/>
+              </a:ext>
+            </a:extLst>
+          </p:cNvPr>
+          <p:cNvSpPr txBox="1">
+            <a:spLocks/>
+          </p:cNvSpPr>
+          <p:nvPr/>
+        </p:nvSpPr>
+        <p:spPr>
+          <a:xfrm>
+            <a:off x="668287" y="5771182"/>
+            <a:ext cx="10874529" cy="405374"/>
+          </a:xfrm>
+          <a:prstGeom prst="rect">
+            <a:avLst/>
+          </a:prstGeom>
+          <a:noFill/>
+          <a:ln>
+            <a:noFill/>
+          </a:ln>
+        </p:spPr>
+        <p:txBody>
+          <a:bodyPr spcFirstLastPara="1" wrap="square" lIns="91425" tIns="45700" rIns="91425" bIns="45700" anchor="t" anchorCtr="0">
+            <a:normAutofit fontScale="77500" lnSpcReduction="20000"/>
+          </a:bodyPr>
+          <a:lstStyle>
+            <a:defPPr marR="0" lvl="0" algn="l" rtl="0">
+              <a:lnSpc>
+                <a:spcPct val="100000"/>
+              </a:lnSpc>
+              <a:spcBef>
+                <a:spcPts val="0"/>
+              </a:spcBef>
+              <a:spcAft>
+                <a:spcPts val="0"/>
+              </a:spcAft>
+            </a:defPPr>
+            <a:lvl1pPr marL="457200" marR="0" lvl="0" indent="-381000" algn="l" rtl="0">
+              <a:lnSpc>
+                <a:spcPct val="90000"/>
+              </a:lnSpc>
+              <a:spcBef>
+                <a:spcPts val="750"/>
+              </a:spcBef>
+              <a:spcAft>
+                <a:spcPts val="0"/>
+              </a:spcAft>
+              <a:buClr>
+                <a:schemeClr val="accent1"/>
+              </a:buClr>
+              <a:buSzPts val="2400"/>
+              <a:buFont typeface="Noto Sans Symbols"/>
+              <a:buChar char="▪"/>
+              <a:defRPr sz="2400" b="0" i="0" u="none" strike="noStrike" cap="none">
+                <a:solidFill>
+                  <a:srgbClr val="262626"/>
+                </a:solidFill>
+                <a:latin typeface="Open Sans"/>
+                <a:ea typeface="Open Sans"/>
+                <a:cs typeface="Open Sans"/>
+                <a:sym typeface="Open Sans"/>
+              </a:defRPr>
+            </a:lvl1pPr>
+            <a:lvl2pPr marL="914400" marR="0" lvl="1" indent="-355600" algn="l" rtl="0">
+              <a:lnSpc>
+                <a:spcPct val="90000"/>
+              </a:lnSpc>
+              <a:spcBef>
+                <a:spcPts val="375"/>
+              </a:spcBef>
+              <a:spcAft>
+                <a:spcPts val="0"/>
+              </a:spcAft>
+              <a:buClr>
+                <a:schemeClr val="accent1"/>
+              </a:buClr>
+              <a:buSzPts val="2000"/>
+              <a:buFont typeface="Noto Sans Symbols"/>
+              <a:buChar char="▪"/>
+              <a:defRPr sz="2000" b="0" i="0" u="none" strike="noStrike" cap="none">
+                <a:solidFill>
+                  <a:srgbClr val="262626"/>
+                </a:solidFill>
+                <a:latin typeface="Open Sans"/>
+                <a:ea typeface="Open Sans"/>
+                <a:cs typeface="Open Sans"/>
+                <a:sym typeface="Open Sans"/>
+              </a:defRPr>
+            </a:lvl2pPr>
+            <a:lvl3pPr marL="1371600" marR="0" lvl="2" indent="-330200" algn="l" rtl="0">
+              <a:lnSpc>
+                <a:spcPct val="90000"/>
+              </a:lnSpc>
+              <a:spcBef>
+                <a:spcPts val="375"/>
+              </a:spcBef>
+              <a:spcAft>
+                <a:spcPts val="0"/>
+              </a:spcAft>
+              <a:buClr>
+                <a:schemeClr val="accent1"/>
+              </a:buClr>
+              <a:buSzPts val="1600"/>
+              <a:buFont typeface="Noto Sans Symbols"/>
+              <a:buChar char="▪"/>
+              <a:defRPr sz="1600" b="0" i="0" u="none" strike="noStrike" cap="none">
+                <a:solidFill>
+                  <a:srgbClr val="262626"/>
+                </a:solidFill>
+                <a:latin typeface="Open Sans"/>
+                <a:ea typeface="Open Sans"/>
+                <a:cs typeface="Open Sans"/>
+                <a:sym typeface="Open Sans"/>
+              </a:defRPr>
+            </a:lvl3pPr>
+            <a:lvl4pPr marL="1828800" marR="0" lvl="3" indent="-317500" algn="l" rtl="0">
+              <a:lnSpc>
+                <a:spcPct val="90000"/>
+              </a:lnSpc>
+              <a:spcBef>
+                <a:spcPts val="375"/>
+              </a:spcBef>
+              <a:spcAft>
+                <a:spcPts val="0"/>
+              </a:spcAft>
+              <a:buClr>
+                <a:schemeClr val="accent1"/>
+              </a:buClr>
+              <a:buSzPts val="1400"/>
+              <a:buFont typeface="Noto Sans Symbols"/>
+              <a:buChar char="▪"/>
+              <a:defRPr sz="1400" b="0" i="0" u="none" strike="noStrike" cap="none">
+                <a:solidFill>
+                  <a:srgbClr val="262626"/>
+                </a:solidFill>
+                <a:latin typeface="Open Sans"/>
+                <a:ea typeface="Open Sans"/>
+                <a:cs typeface="Open Sans"/>
+                <a:sym typeface="Open Sans"/>
+              </a:defRPr>
+            </a:lvl4pPr>
+            <a:lvl5pPr marL="2286000" marR="0" lvl="4" indent="-317500" algn="l" rtl="0">
+              <a:lnSpc>
+                <a:spcPct val="90000"/>
+              </a:lnSpc>
+              <a:spcBef>
+                <a:spcPts val="375"/>
+              </a:spcBef>
+              <a:spcAft>
+                <a:spcPts val="0"/>
+              </a:spcAft>
+              <a:buClr>
+                <a:schemeClr val="accent1"/>
+              </a:buClr>
+              <a:buSzPts val="1400"/>
+              <a:buFont typeface="Noto Sans Symbols"/>
+              <a:buChar char="▪"/>
+              <a:defRPr sz="1400" b="0" i="0" u="none" strike="noStrike" cap="none">
+                <a:solidFill>
+                  <a:srgbClr val="262626"/>
+                </a:solidFill>
+                <a:latin typeface="Open Sans"/>
+                <a:ea typeface="Open Sans"/>
+                <a:cs typeface="Open Sans"/>
+                <a:sym typeface="Open Sans"/>
+              </a:defRPr>
+            </a:lvl5pPr>
+            <a:lvl6pPr marL="2743200" marR="0" lvl="5" indent="-342900" algn="l" rtl="0">
+              <a:lnSpc>
+                <a:spcPct val="90000"/>
+              </a:lnSpc>
+              <a:spcBef>
+                <a:spcPts val="375"/>
+              </a:spcBef>
+              <a:spcAft>
+                <a:spcPts val="0"/>
+              </a:spcAft>
+              <a:buClr>
+                <a:schemeClr val="dk1"/>
+              </a:buClr>
+              <a:buSzPts val="1800"/>
+              <a:buFont typeface="Arial"/>
+              <a:buChar char="•"/>
+              <a:defRPr sz="1350" b="0" i="0" u="none" strike="noStrike" cap="none">
+                <a:solidFill>
+                  <a:schemeClr val="dk1"/>
+                </a:solidFill>
+                <a:latin typeface="Open Sans"/>
+                <a:ea typeface="Open Sans"/>
+                <a:cs typeface="Open Sans"/>
+                <a:sym typeface="Open Sans"/>
+              </a:defRPr>
+            </a:lvl6pPr>
+            <a:lvl7pPr marL="3200400" marR="0" lvl="6" indent="-342900" algn="l" rtl="0">
+              <a:lnSpc>
+                <a:spcPct val="90000"/>
+              </a:lnSpc>
+              <a:spcBef>
+                <a:spcPts val="375"/>
+              </a:spcBef>
+              <a:spcAft>
+                <a:spcPts val="0"/>
+              </a:spcAft>
+              <a:buClr>
+                <a:schemeClr val="dk1"/>
+              </a:buClr>
+              <a:buSzPts val="1800"/>
+              <a:buFont typeface="Arial"/>
+              <a:buChar char="•"/>
+              <a:defRPr sz="1350" b="0" i="0" u="none" strike="noStrike" cap="none">
+                <a:solidFill>
+                  <a:schemeClr val="dk1"/>
+                </a:solidFill>
+                <a:latin typeface="Open Sans"/>
+                <a:ea typeface="Open Sans"/>
+                <a:cs typeface="Open Sans"/>
+                <a:sym typeface="Open Sans"/>
+              </a:defRPr>
+            </a:lvl7pPr>
+            <a:lvl8pPr marL="3657600" marR="0" lvl="7" indent="-342900" algn="l" rtl="0">
+              <a:lnSpc>
+                <a:spcPct val="90000"/>
+              </a:lnSpc>
+              <a:spcBef>
+                <a:spcPts val="375"/>
+              </a:spcBef>
+              <a:spcAft>
+                <a:spcPts val="0"/>
+              </a:spcAft>
+              <a:buClr>
+                <a:schemeClr val="dk1"/>
+              </a:buClr>
+              <a:buSzPts val="1800"/>
+              <a:buFont typeface="Arial"/>
+              <a:buChar char="•"/>
+              <a:defRPr sz="1350" b="0" i="0" u="none" strike="noStrike" cap="none">
+                <a:solidFill>
+                  <a:schemeClr val="dk1"/>
+                </a:solidFill>
+                <a:latin typeface="Open Sans"/>
+                <a:ea typeface="Open Sans"/>
+                <a:cs typeface="Open Sans"/>
+                <a:sym typeface="Open Sans"/>
+              </a:defRPr>
+            </a:lvl8pPr>
+            <a:lvl9pPr marL="4114800" marR="0" lvl="8" indent="-342900" algn="l" rtl="0">
+              <a:lnSpc>
+                <a:spcPct val="90000"/>
+              </a:lnSpc>
+              <a:spcBef>
+                <a:spcPts val="375"/>
+              </a:spcBef>
+              <a:spcAft>
+                <a:spcPts val="0"/>
+              </a:spcAft>
+              <a:buClr>
+                <a:schemeClr val="dk1"/>
+              </a:buClr>
+              <a:buSzPts val="1800"/>
+              <a:buFont typeface="Arial"/>
+              <a:buChar char="•"/>
+              <a:defRPr sz="1350" b="0" i="0" u="none" strike="noStrike" cap="none">
+                <a:solidFill>
+                  <a:schemeClr val="dk1"/>
+                </a:solidFill>
+                <a:latin typeface="Open Sans"/>
+                <a:ea typeface="Open Sans"/>
+                <a:cs typeface="Open Sans"/>
+                <a:sym typeface="Open Sans"/>
+              </a:defRPr>
+            </a:lvl9pPr>
+          </a:lstStyle>
+          <a:p>
+            <a:pPr marL="76200" indent="0">
+              <a:buFont typeface="Noto Sans Symbols"/>
+              <a:buNone/>
+            </a:pPr>
+            <a:r>
+              <a:rPr lang="ru-RU" kern="0" dirty="0">
+                <a:solidFill>
+                  <a:schemeClr val="bg2">
+                    <a:lumMod val="75000"/>
+                    <a:lumOff val="25000"/>
+                  </a:schemeClr>
+                </a:solidFill>
+                <a:latin typeface="Tahoma" panose="020B0604030504040204" pitchFamily="34" charset="0"/>
+                <a:ea typeface="Tahoma" panose="020B0604030504040204" pitchFamily="34" charset="0"/>
+                <a:cs typeface="Tahoma" panose="020B0604030504040204" pitchFamily="34" charset="0"/>
+              </a:rPr>
+              <a:t>               </a:t>
+            </a:r>
+            <a:r>
+              <a:rPr lang="en-US" kern="0" dirty="0">
+                <a:solidFill>
+                  <a:schemeClr val="bg2">
+                    <a:lumMod val="75000"/>
+                    <a:lumOff val="25000"/>
+                  </a:schemeClr>
+                </a:solidFill>
+                <a:latin typeface="Tahoma" panose="020B0604030504040204" pitchFamily="34" charset="0"/>
+                <a:ea typeface="Tahoma" panose="020B0604030504040204" pitchFamily="34" charset="0"/>
+                <a:cs typeface="Tahoma" panose="020B0604030504040204" pitchFamily="34" charset="0"/>
+              </a:rPr>
+              <a:t>None                                     MinMaxScaler             </a:t>
+            </a:r>
+            <a:r>
+              <a:rPr lang="ru-RU" kern="0" dirty="0">
+                <a:solidFill>
+                  <a:schemeClr val="bg2">
+                    <a:lumMod val="75000"/>
+                    <a:lumOff val="25000"/>
+                  </a:schemeClr>
+                </a:solidFill>
+                <a:latin typeface="Tahoma" panose="020B0604030504040204" pitchFamily="34" charset="0"/>
+                <a:ea typeface="Tahoma" panose="020B0604030504040204" pitchFamily="34" charset="0"/>
+                <a:cs typeface="Tahoma" panose="020B0604030504040204" pitchFamily="34" charset="0"/>
+              </a:rPr>
+              <a:t>  </a:t>
+            </a:r>
+            <a:r>
+              <a:rPr lang="en-US" kern="0" dirty="0">
+                <a:solidFill>
+                  <a:schemeClr val="bg2">
+                    <a:lumMod val="75000"/>
+                    <a:lumOff val="25000"/>
+                  </a:schemeClr>
+                </a:solidFill>
+                <a:latin typeface="Tahoma" panose="020B0604030504040204" pitchFamily="34" charset="0"/>
+                <a:ea typeface="Tahoma" panose="020B0604030504040204" pitchFamily="34" charset="0"/>
+                <a:cs typeface="Tahoma" panose="020B0604030504040204" pitchFamily="34" charset="0"/>
+              </a:rPr>
+              <a:t>  </a:t>
+            </a:r>
+            <a:r>
+              <a:rPr lang="ru-RU" kern="0" dirty="0">
+                <a:solidFill>
+                  <a:schemeClr val="bg2">
+                    <a:lumMod val="75000"/>
+                    <a:lumOff val="25000"/>
+                  </a:schemeClr>
+                </a:solidFill>
+                <a:latin typeface="Tahoma" panose="020B0604030504040204" pitchFamily="34" charset="0"/>
+                <a:ea typeface="Tahoma" panose="020B0604030504040204" pitchFamily="34" charset="0"/>
+                <a:cs typeface="Tahoma" panose="020B0604030504040204" pitchFamily="34" charset="0"/>
+              </a:rPr>
+              <a:t>         </a:t>
+            </a:r>
+            <a:r>
+              <a:rPr lang="en-US" kern="0" dirty="0">
+                <a:solidFill>
+                  <a:schemeClr val="bg2">
+                    <a:lumMod val="75000"/>
+                    <a:lumOff val="25000"/>
+                  </a:schemeClr>
+                </a:solidFill>
+                <a:latin typeface="Tahoma" panose="020B0604030504040204" pitchFamily="34" charset="0"/>
+                <a:ea typeface="Tahoma" panose="020B0604030504040204" pitchFamily="34" charset="0"/>
+                <a:cs typeface="Tahoma" panose="020B0604030504040204" pitchFamily="34" charset="0"/>
+              </a:rPr>
+              <a:t>  StandardScaler</a:t>
+            </a:r>
+            <a:endParaRPr lang="ru-RU" sz="1100" kern="0" dirty="0">
+              <a:solidFill>
+                <a:srgbClr val="000000"/>
+              </a:solidFill>
+              <a:latin typeface="Courier New" panose="02070309020205020404" pitchFamily="49" charset="0"/>
+            </a:endParaRPr>
           </a:p>
         </p:txBody>
       </p:sp>
@@ -18624,7 +19783,7 @@
         <p:spPr>
           <a:xfrm>
             <a:off x="404447" y="1081454"/>
-            <a:ext cx="11350800" cy="5095500"/>
+            <a:ext cx="5877600" cy="5095500"/>
           </a:xfrm>
           <a:prstGeom prst="rect">
             <a:avLst/>
@@ -18640,77 +19799,9 @@
           </a:bodyPr>
           <a:lstStyle/>
           <a:p>
-            <a:pPr>
-              <a:lnSpc>
-                <a:spcPct val="150000"/>
-              </a:lnSpc>
-              <a:buFont typeface="Courier New" panose="02070309020205020404" pitchFamily="49" charset="0"/>
-              <a:buChar char="o"/>
+            <a:pPr marL="76200" indent="0">
+              <a:buNone/>
             </a:pPr>
-            <a:r>
-              <a:rPr lang="ru-RU" dirty="0">
-                <a:solidFill>
-                  <a:schemeClr val="bg2">
-                    <a:lumMod val="75000"/>
-                    <a:lumOff val="25000"/>
-                  </a:schemeClr>
-                </a:solidFill>
-                <a:latin typeface="Tahoma" panose="020B0604030504040204" pitchFamily="34" charset="0"/>
-                <a:ea typeface="Tahoma" panose="020B0604030504040204" pitchFamily="34" charset="0"/>
-                <a:cs typeface="Tahoma" panose="020B0604030504040204" pitchFamily="34" charset="0"/>
-              </a:rPr>
-              <a:t>Написание нейронной сети, которая будет рекомендовать соотношение матрица-наполнитель</a:t>
-            </a:r>
-          </a:p>
-          <a:p>
-            <a:pPr>
-              <a:lnSpc>
-                <a:spcPct val="150000"/>
-              </a:lnSpc>
-              <a:buFont typeface="Courier New" panose="02070309020205020404" pitchFamily="49" charset="0"/>
-              <a:buChar char="o"/>
-            </a:pPr>
-            <a:r>
-              <a:rPr lang="ru-RU" dirty="0">
-                <a:solidFill>
-                  <a:schemeClr val="bg2">
-                    <a:lumMod val="75000"/>
-                    <a:lumOff val="25000"/>
-                  </a:schemeClr>
-                </a:solidFill>
-                <a:latin typeface="Tahoma" panose="020B0604030504040204" pitchFamily="34" charset="0"/>
-                <a:ea typeface="Tahoma" panose="020B0604030504040204" pitchFamily="34" charset="0"/>
-                <a:cs typeface="Tahoma" panose="020B0604030504040204" pitchFamily="34" charset="0"/>
-              </a:rPr>
-              <a:t>Разработка приложения </a:t>
-            </a:r>
-            <a:r>
-              <a:rPr lang="en-US" dirty="0">
-                <a:solidFill>
-                  <a:schemeClr val="bg2">
-                    <a:lumMod val="75000"/>
-                    <a:lumOff val="25000"/>
-                  </a:schemeClr>
-                </a:solidFill>
-                <a:latin typeface="Tahoma" panose="020B0604030504040204" pitchFamily="34" charset="0"/>
-                <a:ea typeface="Tahoma" panose="020B0604030504040204" pitchFamily="34" charset="0"/>
-                <a:cs typeface="Tahoma" panose="020B0604030504040204" pitchFamily="34" charset="0"/>
-              </a:rPr>
-              <a:t>Flask</a:t>
-            </a:r>
-            <a:endParaRPr lang="ru-RU" dirty="0">
-              <a:solidFill>
-                <a:schemeClr val="bg2">
-                  <a:lumMod val="75000"/>
-                  <a:lumOff val="25000"/>
-                </a:schemeClr>
-              </a:solidFill>
-              <a:latin typeface="Tahoma" panose="020B0604030504040204" pitchFamily="34" charset="0"/>
-              <a:ea typeface="Tahoma" panose="020B0604030504040204" pitchFamily="34" charset="0"/>
-              <a:cs typeface="Tahoma" panose="020B0604030504040204" pitchFamily="34" charset="0"/>
-            </a:endParaRPr>
-          </a:p>
-          <a:p>
             <a:endParaRPr lang="ru-RU" dirty="0">
               <a:solidFill>
                 <a:schemeClr val="bg2">
@@ -18879,6 +19970,417 @@
               </a:rPr>
               <a:t>Обучение нескольких моделей для прогноза модуля упругости при растяжении и прочности при растяжении</a:t>
             </a:r>
+          </a:p>
+        </p:txBody>
+      </p:sp>
+      <p:sp>
+        <p:nvSpPr>
+          <p:cNvPr id="2" name="Google Shape;126;p2">
+            <a:extLst>
+              <a:ext uri="{FF2B5EF4-FFF2-40B4-BE49-F238E27FC236}">
+                <a16:creationId xmlns:a16="http://schemas.microsoft.com/office/drawing/2014/main" id="{2A608D24-1172-11F4-031D-D37D243142E5}"/>
+              </a:ext>
+            </a:extLst>
+          </p:cNvPr>
+          <p:cNvSpPr txBox="1">
+            <a:spLocks/>
+          </p:cNvSpPr>
+          <p:nvPr/>
+        </p:nvSpPr>
+        <p:spPr>
+          <a:xfrm>
+            <a:off x="1209989" y="1081454"/>
+            <a:ext cx="10545326" cy="5095500"/>
+          </a:xfrm>
+          <a:prstGeom prst="rect">
+            <a:avLst/>
+          </a:prstGeom>
+          <a:noFill/>
+          <a:ln>
+            <a:noFill/>
+          </a:ln>
+        </p:spPr>
+        <p:txBody>
+          <a:bodyPr spcFirstLastPara="1" wrap="square" lIns="91425" tIns="45700" rIns="91425" bIns="45700" anchor="t" anchorCtr="0">
+            <a:normAutofit/>
+          </a:bodyPr>
+          <a:lstStyle>
+            <a:defPPr marR="0" lvl="0" algn="l" rtl="0">
+              <a:lnSpc>
+                <a:spcPct val="100000"/>
+              </a:lnSpc>
+              <a:spcBef>
+                <a:spcPts val="0"/>
+              </a:spcBef>
+              <a:spcAft>
+                <a:spcPts val="0"/>
+              </a:spcAft>
+            </a:defPPr>
+            <a:lvl1pPr marL="457200" marR="0" lvl="0" indent="-381000" algn="l" rtl="0">
+              <a:lnSpc>
+                <a:spcPct val="90000"/>
+              </a:lnSpc>
+              <a:spcBef>
+                <a:spcPts val="750"/>
+              </a:spcBef>
+              <a:spcAft>
+                <a:spcPts val="0"/>
+              </a:spcAft>
+              <a:buClr>
+                <a:schemeClr val="accent1"/>
+              </a:buClr>
+              <a:buSzPts val="2400"/>
+              <a:buFont typeface="Noto Sans Symbols"/>
+              <a:buChar char="▪"/>
+              <a:defRPr sz="2400" b="0" i="0" u="none" strike="noStrike" cap="none">
+                <a:solidFill>
+                  <a:srgbClr val="262626"/>
+                </a:solidFill>
+                <a:latin typeface="Open Sans"/>
+                <a:ea typeface="Open Sans"/>
+                <a:cs typeface="Open Sans"/>
+                <a:sym typeface="Open Sans"/>
+              </a:defRPr>
+            </a:lvl1pPr>
+            <a:lvl2pPr marL="914400" marR="0" lvl="1" indent="-355600" algn="l" rtl="0">
+              <a:lnSpc>
+                <a:spcPct val="90000"/>
+              </a:lnSpc>
+              <a:spcBef>
+                <a:spcPts val="375"/>
+              </a:spcBef>
+              <a:spcAft>
+                <a:spcPts val="0"/>
+              </a:spcAft>
+              <a:buClr>
+                <a:schemeClr val="accent1"/>
+              </a:buClr>
+              <a:buSzPts val="2000"/>
+              <a:buFont typeface="Noto Sans Symbols"/>
+              <a:buChar char="▪"/>
+              <a:defRPr sz="2000" b="0" i="0" u="none" strike="noStrike" cap="none">
+                <a:solidFill>
+                  <a:srgbClr val="262626"/>
+                </a:solidFill>
+                <a:latin typeface="Open Sans"/>
+                <a:ea typeface="Open Sans"/>
+                <a:cs typeface="Open Sans"/>
+                <a:sym typeface="Open Sans"/>
+              </a:defRPr>
+            </a:lvl2pPr>
+            <a:lvl3pPr marL="1371600" marR="0" lvl="2" indent="-330200" algn="l" rtl="0">
+              <a:lnSpc>
+                <a:spcPct val="90000"/>
+              </a:lnSpc>
+              <a:spcBef>
+                <a:spcPts val="375"/>
+              </a:spcBef>
+              <a:spcAft>
+                <a:spcPts val="0"/>
+              </a:spcAft>
+              <a:buClr>
+                <a:schemeClr val="accent1"/>
+              </a:buClr>
+              <a:buSzPts val="1600"/>
+              <a:buFont typeface="Noto Sans Symbols"/>
+              <a:buChar char="▪"/>
+              <a:defRPr sz="1600" b="0" i="0" u="none" strike="noStrike" cap="none">
+                <a:solidFill>
+                  <a:srgbClr val="262626"/>
+                </a:solidFill>
+                <a:latin typeface="Open Sans"/>
+                <a:ea typeface="Open Sans"/>
+                <a:cs typeface="Open Sans"/>
+                <a:sym typeface="Open Sans"/>
+              </a:defRPr>
+            </a:lvl3pPr>
+            <a:lvl4pPr marL="1828800" marR="0" lvl="3" indent="-317500" algn="l" rtl="0">
+              <a:lnSpc>
+                <a:spcPct val="90000"/>
+              </a:lnSpc>
+              <a:spcBef>
+                <a:spcPts val="375"/>
+              </a:spcBef>
+              <a:spcAft>
+                <a:spcPts val="0"/>
+              </a:spcAft>
+              <a:buClr>
+                <a:schemeClr val="accent1"/>
+              </a:buClr>
+              <a:buSzPts val="1400"/>
+              <a:buFont typeface="Noto Sans Symbols"/>
+              <a:buChar char="▪"/>
+              <a:defRPr sz="1400" b="0" i="0" u="none" strike="noStrike" cap="none">
+                <a:solidFill>
+                  <a:srgbClr val="262626"/>
+                </a:solidFill>
+                <a:latin typeface="Open Sans"/>
+                <a:ea typeface="Open Sans"/>
+                <a:cs typeface="Open Sans"/>
+                <a:sym typeface="Open Sans"/>
+              </a:defRPr>
+            </a:lvl4pPr>
+            <a:lvl5pPr marL="2286000" marR="0" lvl="4" indent="-317500" algn="l" rtl="0">
+              <a:lnSpc>
+                <a:spcPct val="90000"/>
+              </a:lnSpc>
+              <a:spcBef>
+                <a:spcPts val="375"/>
+              </a:spcBef>
+              <a:spcAft>
+                <a:spcPts val="0"/>
+              </a:spcAft>
+              <a:buClr>
+                <a:schemeClr val="accent1"/>
+              </a:buClr>
+              <a:buSzPts val="1400"/>
+              <a:buFont typeface="Noto Sans Symbols"/>
+              <a:buChar char="▪"/>
+              <a:defRPr sz="1400" b="0" i="0" u="none" strike="noStrike" cap="none">
+                <a:solidFill>
+                  <a:srgbClr val="262626"/>
+                </a:solidFill>
+                <a:latin typeface="Open Sans"/>
+                <a:ea typeface="Open Sans"/>
+                <a:cs typeface="Open Sans"/>
+                <a:sym typeface="Open Sans"/>
+              </a:defRPr>
+            </a:lvl5pPr>
+            <a:lvl6pPr marL="2743200" marR="0" lvl="5" indent="-342900" algn="l" rtl="0">
+              <a:lnSpc>
+                <a:spcPct val="90000"/>
+              </a:lnSpc>
+              <a:spcBef>
+                <a:spcPts val="375"/>
+              </a:spcBef>
+              <a:spcAft>
+                <a:spcPts val="0"/>
+              </a:spcAft>
+              <a:buClr>
+                <a:schemeClr val="dk1"/>
+              </a:buClr>
+              <a:buSzPts val="1800"/>
+              <a:buFont typeface="Arial"/>
+              <a:buChar char="•"/>
+              <a:defRPr sz="1350" b="0" i="0" u="none" strike="noStrike" cap="none">
+                <a:solidFill>
+                  <a:schemeClr val="dk1"/>
+                </a:solidFill>
+                <a:latin typeface="Open Sans"/>
+                <a:ea typeface="Open Sans"/>
+                <a:cs typeface="Open Sans"/>
+                <a:sym typeface="Open Sans"/>
+              </a:defRPr>
+            </a:lvl6pPr>
+            <a:lvl7pPr marL="3200400" marR="0" lvl="6" indent="-342900" algn="l" rtl="0">
+              <a:lnSpc>
+                <a:spcPct val="90000"/>
+              </a:lnSpc>
+              <a:spcBef>
+                <a:spcPts val="375"/>
+              </a:spcBef>
+              <a:spcAft>
+                <a:spcPts val="0"/>
+              </a:spcAft>
+              <a:buClr>
+                <a:schemeClr val="dk1"/>
+              </a:buClr>
+              <a:buSzPts val="1800"/>
+              <a:buFont typeface="Arial"/>
+              <a:buChar char="•"/>
+              <a:defRPr sz="1350" b="0" i="0" u="none" strike="noStrike" cap="none">
+                <a:solidFill>
+                  <a:schemeClr val="dk1"/>
+                </a:solidFill>
+                <a:latin typeface="Open Sans"/>
+                <a:ea typeface="Open Sans"/>
+                <a:cs typeface="Open Sans"/>
+                <a:sym typeface="Open Sans"/>
+              </a:defRPr>
+            </a:lvl7pPr>
+            <a:lvl8pPr marL="3657600" marR="0" lvl="7" indent="-342900" algn="l" rtl="0">
+              <a:lnSpc>
+                <a:spcPct val="90000"/>
+              </a:lnSpc>
+              <a:spcBef>
+                <a:spcPts val="375"/>
+              </a:spcBef>
+              <a:spcAft>
+                <a:spcPts val="0"/>
+              </a:spcAft>
+              <a:buClr>
+                <a:schemeClr val="dk1"/>
+              </a:buClr>
+              <a:buSzPts val="1800"/>
+              <a:buFont typeface="Arial"/>
+              <a:buChar char="•"/>
+              <a:defRPr sz="1350" b="0" i="0" u="none" strike="noStrike" cap="none">
+                <a:solidFill>
+                  <a:schemeClr val="dk1"/>
+                </a:solidFill>
+                <a:latin typeface="Open Sans"/>
+                <a:ea typeface="Open Sans"/>
+                <a:cs typeface="Open Sans"/>
+                <a:sym typeface="Open Sans"/>
+              </a:defRPr>
+            </a:lvl8pPr>
+            <a:lvl9pPr marL="4114800" marR="0" lvl="8" indent="-342900" algn="l" rtl="0">
+              <a:lnSpc>
+                <a:spcPct val="90000"/>
+              </a:lnSpc>
+              <a:spcBef>
+                <a:spcPts val="375"/>
+              </a:spcBef>
+              <a:spcAft>
+                <a:spcPts val="0"/>
+              </a:spcAft>
+              <a:buClr>
+                <a:schemeClr val="dk1"/>
+              </a:buClr>
+              <a:buSzPts val="1800"/>
+              <a:buFont typeface="Arial"/>
+              <a:buChar char="•"/>
+              <a:defRPr sz="1350" b="0" i="0" u="none" strike="noStrike" cap="none">
+                <a:solidFill>
+                  <a:schemeClr val="dk1"/>
+                </a:solidFill>
+                <a:latin typeface="Open Sans"/>
+                <a:ea typeface="Open Sans"/>
+                <a:cs typeface="Open Sans"/>
+                <a:sym typeface="Open Sans"/>
+              </a:defRPr>
+            </a:lvl9pPr>
+          </a:lstStyle>
+          <a:p>
+            <a:pPr marL="76200" indent="0">
+              <a:buNone/>
+            </a:pPr>
+            <a:r>
+              <a:rPr lang="ru-RU" kern="0" dirty="0">
+                <a:solidFill>
+                  <a:schemeClr val="bg2">
+                    <a:lumMod val="75000"/>
+                    <a:lumOff val="25000"/>
+                  </a:schemeClr>
+                </a:solidFill>
+                <a:latin typeface="Tahoma" panose="020B0604030504040204" pitchFamily="34" charset="0"/>
+                <a:ea typeface="Tahoma" panose="020B0604030504040204" pitchFamily="34" charset="0"/>
+                <a:cs typeface="Tahoma" panose="020B0604030504040204" pitchFamily="34" charset="0"/>
+              </a:rPr>
+              <a:t>Для дальнейшей работы были выбраны пять моделей. Для каждой из двух целевых переменных были проделаны следующие шаги:</a:t>
+            </a:r>
+          </a:p>
+          <a:p>
+            <a:pPr>
+              <a:buFont typeface="Arial" panose="020B0604020202020204" pitchFamily="34" charset="0"/>
+              <a:buChar char="•"/>
+            </a:pPr>
+            <a:r>
+              <a:rPr lang="ru-RU" kern="0" dirty="0">
+                <a:solidFill>
+                  <a:schemeClr val="bg2">
+                    <a:lumMod val="75000"/>
+                    <a:lumOff val="25000"/>
+                  </a:schemeClr>
+                </a:solidFill>
+                <a:latin typeface="Tahoma" panose="020B0604030504040204" pitchFamily="34" charset="0"/>
+                <a:ea typeface="Tahoma" panose="020B0604030504040204" pitchFamily="34" charset="0"/>
+                <a:cs typeface="Tahoma" panose="020B0604030504040204" pitchFamily="34" charset="0"/>
+              </a:rPr>
+              <a:t>Предварительно произведен подбор нормализатора и выборки (с выбросами и без);</a:t>
+            </a:r>
+          </a:p>
+          <a:p>
+            <a:pPr>
+              <a:buFont typeface="Arial" panose="020B0604020202020204" pitchFamily="34" charset="0"/>
+              <a:buChar char="•"/>
+            </a:pPr>
+            <a:r>
+              <a:rPr lang="ru-RU" kern="0" dirty="0">
+                <a:solidFill>
+                  <a:schemeClr val="bg2">
+                    <a:lumMod val="75000"/>
+                    <a:lumOff val="25000"/>
+                  </a:schemeClr>
+                </a:solidFill>
+                <a:latin typeface="Tahoma" panose="020B0604030504040204" pitchFamily="34" charset="0"/>
+                <a:ea typeface="Tahoma" panose="020B0604030504040204" pitchFamily="34" charset="0"/>
+                <a:cs typeface="Tahoma" panose="020B0604030504040204" pitchFamily="34" charset="0"/>
+              </a:rPr>
+              <a:t>Результаты отсортированы и сведены в таблицу;</a:t>
+            </a:r>
+          </a:p>
+          <a:p>
+            <a:pPr>
+              <a:buFont typeface="Arial" panose="020B0604020202020204" pitchFamily="34" charset="0"/>
+              <a:buChar char="•"/>
+            </a:pPr>
+            <a:r>
+              <a:rPr lang="ru-RU" kern="0" dirty="0">
+                <a:solidFill>
+                  <a:schemeClr val="bg2">
+                    <a:lumMod val="75000"/>
+                    <a:lumOff val="25000"/>
+                  </a:schemeClr>
+                </a:solidFill>
+                <a:latin typeface="Tahoma" panose="020B0604030504040204" pitchFamily="34" charset="0"/>
+                <a:ea typeface="Tahoma" panose="020B0604030504040204" pitchFamily="34" charset="0"/>
+                <a:cs typeface="Tahoma" panose="020B0604030504040204" pitchFamily="34" charset="0"/>
+              </a:rPr>
+              <a:t>Прежде чем проводить подбор параметров по сетке, был проведен рандомный поиск параметров и визуализация результатов для выявления тенденций;</a:t>
+            </a:r>
+          </a:p>
+          <a:p>
+            <a:pPr>
+              <a:buFont typeface="Arial" panose="020B0604020202020204" pitchFamily="34" charset="0"/>
+              <a:buChar char="•"/>
+            </a:pPr>
+            <a:r>
+              <a:rPr lang="ru-RU" kern="0" dirty="0">
+                <a:solidFill>
+                  <a:schemeClr val="bg2">
+                    <a:lumMod val="75000"/>
+                    <a:lumOff val="25000"/>
+                  </a:schemeClr>
+                </a:solidFill>
+                <a:latin typeface="Tahoma" panose="020B0604030504040204" pitchFamily="34" charset="0"/>
+                <a:ea typeface="Tahoma" panose="020B0604030504040204" pitchFamily="34" charset="0"/>
+                <a:cs typeface="Tahoma" panose="020B0604030504040204" pitchFamily="34" charset="0"/>
+              </a:rPr>
+              <a:t>Результаты всех экспериментов были занесены в таблицу, после чего модель с лучшим результатом была сохранена на диске для дальнейшего использования в приложении.</a:t>
+            </a:r>
+          </a:p>
+          <a:p>
+            <a:pPr marL="76200" indent="0">
+              <a:buNone/>
+            </a:pPr>
+            <a:r>
+              <a:rPr lang="ru-RU" kern="0" dirty="0">
+                <a:solidFill>
+                  <a:schemeClr val="bg2">
+                    <a:lumMod val="75000"/>
+                    <a:lumOff val="25000"/>
+                  </a:schemeClr>
+                </a:solidFill>
+                <a:latin typeface="Tahoma" panose="020B0604030504040204" pitchFamily="34" charset="0"/>
+                <a:ea typeface="Tahoma" panose="020B0604030504040204" pitchFamily="34" charset="0"/>
+                <a:cs typeface="Tahoma" panose="020B0604030504040204" pitchFamily="34" charset="0"/>
+              </a:rPr>
+              <a:t>В итоге на диске сохранены две обученные модели с лучшими характеристиками.</a:t>
+            </a:r>
+          </a:p>
+          <a:p>
+            <a:endParaRPr lang="ru-RU" kern="0" dirty="0">
+              <a:solidFill>
+                <a:schemeClr val="bg2">
+                  <a:lumMod val="75000"/>
+                  <a:lumOff val="25000"/>
+                </a:schemeClr>
+              </a:solidFill>
+              <a:latin typeface="Tahoma" panose="020B0604030504040204" pitchFamily="34" charset="0"/>
+              <a:ea typeface="Tahoma" panose="020B0604030504040204" pitchFamily="34" charset="0"/>
+              <a:cs typeface="Tahoma" panose="020B0604030504040204" pitchFamily="34" charset="0"/>
+            </a:endParaRPr>
           </a:p>
         </p:txBody>
       </p:sp>
@@ -18953,12 +20455,8 @@
           </a:bodyPr>
           <a:lstStyle/>
           <a:p>
-            <a:pPr>
-              <a:lnSpc>
-                <a:spcPct val="150000"/>
-              </a:lnSpc>
-              <a:buFont typeface="Courier New" panose="02070309020205020404" pitchFamily="49" charset="0"/>
-              <a:buChar char="o"/>
+            <a:pPr marL="76200" indent="0">
+              <a:buNone/>
             </a:pPr>
             <a:r>
               <a:rPr lang="ru-RU" dirty="0">
@@ -18972,10 +20470,10 @@
                 <a:ea typeface="Tahoma" panose="020B0604030504040204" pitchFamily="34" charset="0"/>
                 <a:cs typeface="Tahoma" panose="020B0604030504040204" pitchFamily="34" charset="0"/>
               </a:rPr>
-              <a:t>Разработка приложения </a:t>
+              <a:t>Для конструирования нейронной сети и оптимизации гиперпараметров, воспользовался инструментом </a:t>
             </a:r>
             <a:r>
-              <a:rPr lang="en-US" dirty="0">
+              <a:rPr lang="en-US" i="1" dirty="0">
                 <a:solidFill>
                   <a:schemeClr val="bg2">
                     <a:lumMod val="75000"/>
@@ -18986,22 +20484,28 @@
                 <a:ea typeface="Tahoma" panose="020B0604030504040204" pitchFamily="34" charset="0"/>
                 <a:cs typeface="Tahoma" panose="020B0604030504040204" pitchFamily="34" charset="0"/>
               </a:rPr>
-              <a:t>Flask</a:t>
+              <a:t>kerastuner</a:t>
             </a:r>
-            <a:endParaRPr lang="ru-RU" dirty="0">
-              <a:solidFill>
-                <a:schemeClr val="bg2">
-                  <a:lumMod val="75000"/>
-                  <a:lumOff val="25000"/>
-                </a:schemeClr>
-              </a:solidFill>
-              <a:latin typeface="Tahoma" panose="020B0604030504040204" pitchFamily="34" charset="0"/>
-              <a:ea typeface="Tahoma" panose="020B0604030504040204" pitchFamily="34" charset="0"/>
-              <a:cs typeface="Tahoma" panose="020B0604030504040204" pitchFamily="34" charset="0"/>
-            </a:endParaRPr>
-          </a:p>
-          <a:p>
-            <a:endParaRPr lang="ru-RU" dirty="0">
+            <a:r>
+              <a:rPr lang="ru-RU" dirty="0">
+                <a:solidFill>
+                  <a:schemeClr val="bg2">
+                    <a:lumMod val="75000"/>
+                    <a:lumOff val="25000"/>
+                  </a:schemeClr>
+                </a:solidFill>
+                <a:latin typeface="Tahoma" panose="020B0604030504040204" pitchFamily="34" charset="0"/>
+                <a:ea typeface="Tahoma" panose="020B0604030504040204" pitchFamily="34" charset="0"/>
+                <a:cs typeface="Tahoma" panose="020B0604030504040204" pitchFamily="34" charset="0"/>
+              </a:rPr>
+              <a:t>. </a:t>
+            </a:r>
+          </a:p>
+          <a:p>
+            <a:pPr marL="76200" indent="0">
+              <a:buNone/>
+            </a:pPr>
+            <a:endParaRPr lang="ru-RU" i="1" dirty="0">
               <a:solidFill>
                 <a:schemeClr val="bg2">
                   <a:lumMod val="75000"/>
@@ -19168,6 +20672,382 @@
                 <a:cs typeface="Tahoma" panose="020B0604030504040204" pitchFamily="34" charset="0"/>
               </a:rPr>
               <a:t>Написание нейронной сети, которая будет рекомендовать соотношение матрица-наполнитель</a:t>
+            </a:r>
+          </a:p>
+        </p:txBody>
+      </p:sp>
+      <p:pic>
+        <p:nvPicPr>
+          <p:cNvPr id="2" name="Рисунок 1">
+            <a:extLst>
+              <a:ext uri="{FF2B5EF4-FFF2-40B4-BE49-F238E27FC236}">
+                <a16:creationId xmlns:a16="http://schemas.microsoft.com/office/drawing/2014/main" id="{4FC13CC5-9196-B1EE-DC87-F5615E949C2D}"/>
+              </a:ext>
+            </a:extLst>
+          </p:cNvPr>
+          <p:cNvPicPr>
+            <a:picLocks noChangeAspect="1"/>
+          </p:cNvPicPr>
+          <p:nvPr/>
+        </p:nvPicPr>
+        <p:blipFill>
+          <a:blip r:embed="rId3"/>
+          <a:stretch>
+            <a:fillRect/>
+          </a:stretch>
+        </p:blipFill>
+        <p:spPr>
+          <a:xfrm>
+            <a:off x="404447" y="2271555"/>
+            <a:ext cx="4231640" cy="3997325"/>
+          </a:xfrm>
+          <a:prstGeom prst="rect">
+            <a:avLst/>
+          </a:prstGeom>
+        </p:spPr>
+      </p:pic>
+      <p:sp>
+        <p:nvSpPr>
+          <p:cNvPr id="7" name="Google Shape;126;p2">
+            <a:extLst>
+              <a:ext uri="{FF2B5EF4-FFF2-40B4-BE49-F238E27FC236}">
+                <a16:creationId xmlns:a16="http://schemas.microsoft.com/office/drawing/2014/main" id="{397E5AEA-CCA7-F82D-F72F-5FF06EFBAC80}"/>
+              </a:ext>
+            </a:extLst>
+          </p:cNvPr>
+          <p:cNvSpPr txBox="1">
+            <a:spLocks/>
+          </p:cNvSpPr>
+          <p:nvPr/>
+        </p:nvSpPr>
+        <p:spPr>
+          <a:xfrm>
+            <a:off x="5070763" y="2179628"/>
+            <a:ext cx="6684551" cy="3997326"/>
+          </a:xfrm>
+          <a:prstGeom prst="rect">
+            <a:avLst/>
+          </a:prstGeom>
+          <a:noFill/>
+          <a:ln>
+            <a:noFill/>
+          </a:ln>
+        </p:spPr>
+        <p:txBody>
+          <a:bodyPr spcFirstLastPara="1" wrap="square" lIns="91425" tIns="45700" rIns="91425" bIns="45700" anchor="t" anchorCtr="0">
+            <a:normAutofit/>
+          </a:bodyPr>
+          <a:lstStyle>
+            <a:defPPr marR="0" lvl="0" algn="l" rtl="0">
+              <a:lnSpc>
+                <a:spcPct val="100000"/>
+              </a:lnSpc>
+              <a:spcBef>
+                <a:spcPts val="0"/>
+              </a:spcBef>
+              <a:spcAft>
+                <a:spcPts val="0"/>
+              </a:spcAft>
+            </a:defPPr>
+            <a:lvl1pPr marL="457200" marR="0" lvl="0" indent="-381000" algn="l" rtl="0">
+              <a:lnSpc>
+                <a:spcPct val="90000"/>
+              </a:lnSpc>
+              <a:spcBef>
+                <a:spcPts val="750"/>
+              </a:spcBef>
+              <a:spcAft>
+                <a:spcPts val="0"/>
+              </a:spcAft>
+              <a:buClr>
+                <a:schemeClr val="accent1"/>
+              </a:buClr>
+              <a:buSzPts val="2400"/>
+              <a:buFont typeface="Noto Sans Symbols"/>
+              <a:buChar char="▪"/>
+              <a:defRPr sz="2400" b="0" i="0" u="none" strike="noStrike" cap="none">
+                <a:solidFill>
+                  <a:srgbClr val="262626"/>
+                </a:solidFill>
+                <a:latin typeface="Open Sans"/>
+                <a:ea typeface="Open Sans"/>
+                <a:cs typeface="Open Sans"/>
+                <a:sym typeface="Open Sans"/>
+              </a:defRPr>
+            </a:lvl1pPr>
+            <a:lvl2pPr marL="914400" marR="0" lvl="1" indent="-355600" algn="l" rtl="0">
+              <a:lnSpc>
+                <a:spcPct val="90000"/>
+              </a:lnSpc>
+              <a:spcBef>
+                <a:spcPts val="375"/>
+              </a:spcBef>
+              <a:spcAft>
+                <a:spcPts val="0"/>
+              </a:spcAft>
+              <a:buClr>
+                <a:schemeClr val="accent1"/>
+              </a:buClr>
+              <a:buSzPts val="2000"/>
+              <a:buFont typeface="Noto Sans Symbols"/>
+              <a:buChar char="▪"/>
+              <a:defRPr sz="2000" b="0" i="0" u="none" strike="noStrike" cap="none">
+                <a:solidFill>
+                  <a:srgbClr val="262626"/>
+                </a:solidFill>
+                <a:latin typeface="Open Sans"/>
+                <a:ea typeface="Open Sans"/>
+                <a:cs typeface="Open Sans"/>
+                <a:sym typeface="Open Sans"/>
+              </a:defRPr>
+            </a:lvl2pPr>
+            <a:lvl3pPr marL="1371600" marR="0" lvl="2" indent="-330200" algn="l" rtl="0">
+              <a:lnSpc>
+                <a:spcPct val="90000"/>
+              </a:lnSpc>
+              <a:spcBef>
+                <a:spcPts val="375"/>
+              </a:spcBef>
+              <a:spcAft>
+                <a:spcPts val="0"/>
+              </a:spcAft>
+              <a:buClr>
+                <a:schemeClr val="accent1"/>
+              </a:buClr>
+              <a:buSzPts val="1600"/>
+              <a:buFont typeface="Noto Sans Symbols"/>
+              <a:buChar char="▪"/>
+              <a:defRPr sz="1600" b="0" i="0" u="none" strike="noStrike" cap="none">
+                <a:solidFill>
+                  <a:srgbClr val="262626"/>
+                </a:solidFill>
+                <a:latin typeface="Open Sans"/>
+                <a:ea typeface="Open Sans"/>
+                <a:cs typeface="Open Sans"/>
+                <a:sym typeface="Open Sans"/>
+              </a:defRPr>
+            </a:lvl3pPr>
+            <a:lvl4pPr marL="1828800" marR="0" lvl="3" indent="-317500" algn="l" rtl="0">
+              <a:lnSpc>
+                <a:spcPct val="90000"/>
+              </a:lnSpc>
+              <a:spcBef>
+                <a:spcPts val="375"/>
+              </a:spcBef>
+              <a:spcAft>
+                <a:spcPts val="0"/>
+              </a:spcAft>
+              <a:buClr>
+                <a:schemeClr val="accent1"/>
+              </a:buClr>
+              <a:buSzPts val="1400"/>
+              <a:buFont typeface="Noto Sans Symbols"/>
+              <a:buChar char="▪"/>
+              <a:defRPr sz="1400" b="0" i="0" u="none" strike="noStrike" cap="none">
+                <a:solidFill>
+                  <a:srgbClr val="262626"/>
+                </a:solidFill>
+                <a:latin typeface="Open Sans"/>
+                <a:ea typeface="Open Sans"/>
+                <a:cs typeface="Open Sans"/>
+                <a:sym typeface="Open Sans"/>
+              </a:defRPr>
+            </a:lvl4pPr>
+            <a:lvl5pPr marL="2286000" marR="0" lvl="4" indent="-317500" algn="l" rtl="0">
+              <a:lnSpc>
+                <a:spcPct val="90000"/>
+              </a:lnSpc>
+              <a:spcBef>
+                <a:spcPts val="375"/>
+              </a:spcBef>
+              <a:spcAft>
+                <a:spcPts val="0"/>
+              </a:spcAft>
+              <a:buClr>
+                <a:schemeClr val="accent1"/>
+              </a:buClr>
+              <a:buSzPts val="1400"/>
+              <a:buFont typeface="Noto Sans Symbols"/>
+              <a:buChar char="▪"/>
+              <a:defRPr sz="1400" b="0" i="0" u="none" strike="noStrike" cap="none">
+                <a:solidFill>
+                  <a:srgbClr val="262626"/>
+                </a:solidFill>
+                <a:latin typeface="Open Sans"/>
+                <a:ea typeface="Open Sans"/>
+                <a:cs typeface="Open Sans"/>
+                <a:sym typeface="Open Sans"/>
+              </a:defRPr>
+            </a:lvl5pPr>
+            <a:lvl6pPr marL="2743200" marR="0" lvl="5" indent="-342900" algn="l" rtl="0">
+              <a:lnSpc>
+                <a:spcPct val="90000"/>
+              </a:lnSpc>
+              <a:spcBef>
+                <a:spcPts val="375"/>
+              </a:spcBef>
+              <a:spcAft>
+                <a:spcPts val="0"/>
+              </a:spcAft>
+              <a:buClr>
+                <a:schemeClr val="dk1"/>
+              </a:buClr>
+              <a:buSzPts val="1800"/>
+              <a:buFont typeface="Arial"/>
+              <a:buChar char="•"/>
+              <a:defRPr sz="1350" b="0" i="0" u="none" strike="noStrike" cap="none">
+                <a:solidFill>
+                  <a:schemeClr val="dk1"/>
+                </a:solidFill>
+                <a:latin typeface="Open Sans"/>
+                <a:ea typeface="Open Sans"/>
+                <a:cs typeface="Open Sans"/>
+                <a:sym typeface="Open Sans"/>
+              </a:defRPr>
+            </a:lvl6pPr>
+            <a:lvl7pPr marL="3200400" marR="0" lvl="6" indent="-342900" algn="l" rtl="0">
+              <a:lnSpc>
+                <a:spcPct val="90000"/>
+              </a:lnSpc>
+              <a:spcBef>
+                <a:spcPts val="375"/>
+              </a:spcBef>
+              <a:spcAft>
+                <a:spcPts val="0"/>
+              </a:spcAft>
+              <a:buClr>
+                <a:schemeClr val="dk1"/>
+              </a:buClr>
+              <a:buSzPts val="1800"/>
+              <a:buFont typeface="Arial"/>
+              <a:buChar char="•"/>
+              <a:defRPr sz="1350" b="0" i="0" u="none" strike="noStrike" cap="none">
+                <a:solidFill>
+                  <a:schemeClr val="dk1"/>
+                </a:solidFill>
+                <a:latin typeface="Open Sans"/>
+                <a:ea typeface="Open Sans"/>
+                <a:cs typeface="Open Sans"/>
+                <a:sym typeface="Open Sans"/>
+              </a:defRPr>
+            </a:lvl7pPr>
+            <a:lvl8pPr marL="3657600" marR="0" lvl="7" indent="-342900" algn="l" rtl="0">
+              <a:lnSpc>
+                <a:spcPct val="90000"/>
+              </a:lnSpc>
+              <a:spcBef>
+                <a:spcPts val="375"/>
+              </a:spcBef>
+              <a:spcAft>
+                <a:spcPts val="0"/>
+              </a:spcAft>
+              <a:buClr>
+                <a:schemeClr val="dk1"/>
+              </a:buClr>
+              <a:buSzPts val="1800"/>
+              <a:buFont typeface="Arial"/>
+              <a:buChar char="•"/>
+              <a:defRPr sz="1350" b="0" i="0" u="none" strike="noStrike" cap="none">
+                <a:solidFill>
+                  <a:schemeClr val="dk1"/>
+                </a:solidFill>
+                <a:latin typeface="Open Sans"/>
+                <a:ea typeface="Open Sans"/>
+                <a:cs typeface="Open Sans"/>
+                <a:sym typeface="Open Sans"/>
+              </a:defRPr>
+            </a:lvl8pPr>
+            <a:lvl9pPr marL="4114800" marR="0" lvl="8" indent="-342900" algn="l" rtl="0">
+              <a:lnSpc>
+                <a:spcPct val="90000"/>
+              </a:lnSpc>
+              <a:spcBef>
+                <a:spcPts val="375"/>
+              </a:spcBef>
+              <a:spcAft>
+                <a:spcPts val="0"/>
+              </a:spcAft>
+              <a:buClr>
+                <a:schemeClr val="dk1"/>
+              </a:buClr>
+              <a:buSzPts val="1800"/>
+              <a:buFont typeface="Arial"/>
+              <a:buChar char="•"/>
+              <a:defRPr sz="1350" b="0" i="0" u="none" strike="noStrike" cap="none">
+                <a:solidFill>
+                  <a:schemeClr val="dk1"/>
+                </a:solidFill>
+                <a:latin typeface="Open Sans"/>
+                <a:ea typeface="Open Sans"/>
+                <a:cs typeface="Open Sans"/>
+                <a:sym typeface="Open Sans"/>
+              </a:defRPr>
+            </a:lvl9pPr>
+          </a:lstStyle>
+          <a:p>
+            <a:pPr marL="76200" indent="0">
+              <a:buNone/>
+            </a:pPr>
+            <a:r>
+              <a:rPr lang="ru-RU" kern="0" dirty="0">
+                <a:solidFill>
+                  <a:schemeClr val="bg2">
+                    <a:lumMod val="75000"/>
+                    <a:lumOff val="25000"/>
+                  </a:schemeClr>
+                </a:solidFill>
+                <a:latin typeface="Tahoma" panose="020B0604030504040204" pitchFamily="34" charset="0"/>
+                <a:ea typeface="Tahoma" panose="020B0604030504040204" pitchFamily="34" charset="0"/>
+                <a:cs typeface="Tahoma" panose="020B0604030504040204" pitchFamily="34" charset="0"/>
+              </a:rPr>
+              <a:t>Итогом работы </a:t>
+            </a:r>
+            <a:r>
+              <a:rPr lang="en-US" i="1" dirty="0">
+                <a:solidFill>
+                  <a:schemeClr val="bg2">
+                    <a:lumMod val="75000"/>
+                    <a:lumOff val="25000"/>
+                  </a:schemeClr>
+                </a:solidFill>
+                <a:latin typeface="Tahoma" panose="020B0604030504040204" pitchFamily="34" charset="0"/>
+                <a:ea typeface="Tahoma" panose="020B0604030504040204" pitchFamily="34" charset="0"/>
+                <a:cs typeface="Tahoma" panose="020B0604030504040204" pitchFamily="34" charset="0"/>
+              </a:rPr>
+              <a:t>kerastuner</a:t>
+            </a:r>
+            <a:r>
+              <a:rPr lang="ru-RU" dirty="0">
+                <a:solidFill>
+                  <a:schemeClr val="bg2">
+                    <a:lumMod val="75000"/>
+                    <a:lumOff val="25000"/>
+                  </a:schemeClr>
+                </a:solidFill>
+                <a:latin typeface="Tahoma" panose="020B0604030504040204" pitchFamily="34" charset="0"/>
+                <a:ea typeface="Tahoma" panose="020B0604030504040204" pitchFamily="34" charset="0"/>
+                <a:cs typeface="Tahoma" panose="020B0604030504040204" pitchFamily="34" charset="0"/>
+              </a:rPr>
+              <a:t> стал выбор модели с характеристиками отображенными на картинке слева.</a:t>
+            </a:r>
+          </a:p>
+          <a:p>
+            <a:pPr marL="76200" indent="0">
+              <a:buNone/>
+            </a:pPr>
+            <a:r>
+              <a:rPr lang="ru-RU" kern="0" dirty="0">
+                <a:solidFill>
+                  <a:schemeClr val="bg2">
+                    <a:lumMod val="75000"/>
+                    <a:lumOff val="25000"/>
+                  </a:schemeClr>
+                </a:solidFill>
+                <a:latin typeface="Tahoma" panose="020B0604030504040204" pitchFamily="34" charset="0"/>
+                <a:ea typeface="Tahoma" panose="020B0604030504040204" pitchFamily="34" charset="0"/>
+                <a:cs typeface="Tahoma" panose="020B0604030504040204" pitchFamily="34" charset="0"/>
+              </a:rPr>
+              <a:t>Модель сохранена на диске и может, в дальнейшем, быть использована в приложении или до обучена. </a:t>
             </a:r>
           </a:p>
         </p:txBody>
@@ -19226,8 +21106,8 @@
         </p:nvSpPr>
         <p:spPr>
           <a:xfrm>
-            <a:off x="404447" y="1081454"/>
-            <a:ext cx="11350800" cy="5095500"/>
+            <a:off x="404379" y="1081454"/>
+            <a:ext cx="6257678" cy="5095500"/>
           </a:xfrm>
           <a:prstGeom prst="rect">
             <a:avLst/>
@@ -19243,33 +21123,117 @@
           </a:bodyPr>
           <a:lstStyle/>
           <a:p>
-            <a:pPr marL="76200" indent="0">
+            <a:pPr marL="76200" indent="0" algn="just">
               <a:buNone/>
             </a:pPr>
-            <a:endParaRPr lang="ru-RU" dirty="0">
-              <a:solidFill>
-                <a:schemeClr val="bg2">
-                  <a:lumMod val="75000"/>
-                  <a:lumOff val="25000"/>
-                </a:schemeClr>
-              </a:solidFill>
-              <a:latin typeface="Tahoma" panose="020B0604030504040204" pitchFamily="34" charset="0"/>
-              <a:ea typeface="Tahoma" panose="020B0604030504040204" pitchFamily="34" charset="0"/>
-              <a:cs typeface="Tahoma" panose="020B0604030504040204" pitchFamily="34" charset="0"/>
-            </a:endParaRPr>
-          </a:p>
-          <a:p>
-            <a:endParaRPr lang="ru-RU" dirty="0">
-              <a:solidFill>
-                <a:schemeClr val="bg2">
-                  <a:lumMod val="75000"/>
-                  <a:lumOff val="25000"/>
-                </a:schemeClr>
-              </a:solidFill>
-              <a:latin typeface="Tahoma" panose="020B0604030504040204" pitchFamily="34" charset="0"/>
-              <a:ea typeface="Tahoma" panose="020B0604030504040204" pitchFamily="34" charset="0"/>
-              <a:cs typeface="Tahoma" panose="020B0604030504040204" pitchFamily="34" charset="0"/>
-            </a:endParaRPr>
+            <a:r>
+              <a:rPr lang="ru-RU" dirty="0">
+                <a:solidFill>
+                  <a:schemeClr val="bg2">
+                    <a:lumMod val="75000"/>
+                    <a:lumOff val="25000"/>
+                  </a:schemeClr>
+                </a:solidFill>
+                <a:latin typeface="Tahoma" panose="020B0604030504040204" pitchFamily="34" charset="0"/>
+                <a:ea typeface="Tahoma" panose="020B0604030504040204" pitchFamily="34" charset="0"/>
+                <a:cs typeface="Tahoma" panose="020B0604030504040204" pitchFamily="34" charset="0"/>
+              </a:rPr>
+              <a:t>Для прогнозирования модуля упругости при растяжении и прочности при растяжении разработано </a:t>
+            </a:r>
+            <a:r>
+              <a:rPr lang="en-US" dirty="0">
+                <a:solidFill>
+                  <a:schemeClr val="bg2">
+                    <a:lumMod val="75000"/>
+                    <a:lumOff val="25000"/>
+                  </a:schemeClr>
+                </a:solidFill>
+                <a:latin typeface="Tahoma" panose="020B0604030504040204" pitchFamily="34" charset="0"/>
+                <a:ea typeface="Tahoma" panose="020B0604030504040204" pitchFamily="34" charset="0"/>
+                <a:cs typeface="Tahoma" panose="020B0604030504040204" pitchFamily="34" charset="0"/>
+              </a:rPr>
+              <a:t>Flask </a:t>
+            </a:r>
+            <a:r>
+              <a:rPr lang="ru-RU" dirty="0">
+                <a:solidFill>
+                  <a:schemeClr val="bg2">
+                    <a:lumMod val="75000"/>
+                    <a:lumOff val="25000"/>
+                  </a:schemeClr>
+                </a:solidFill>
+                <a:latin typeface="Tahoma" panose="020B0604030504040204" pitchFamily="34" charset="0"/>
+                <a:ea typeface="Tahoma" panose="020B0604030504040204" pitchFamily="34" charset="0"/>
+                <a:cs typeface="Tahoma" panose="020B0604030504040204" pitchFamily="34" charset="0"/>
+              </a:rPr>
+              <a:t>приложение, запустить которое можно на сервере с поддержкой Flask или локальном компьютере, установив предварительно зависимости. После запуска интерфейс приложения доступен в браузере по адресу hostname:5000/</a:t>
+            </a:r>
+          </a:p>
+          <a:p>
+            <a:pPr marL="76200" indent="0" algn="just">
+              <a:buNone/>
+            </a:pPr>
+            <a:r>
+              <a:rPr lang="ru-RU" dirty="0">
+                <a:solidFill>
+                  <a:schemeClr val="bg2">
+                    <a:lumMod val="75000"/>
+                    <a:lumOff val="25000"/>
+                  </a:schemeClr>
+                </a:solidFill>
+                <a:latin typeface="Tahoma" panose="020B0604030504040204" pitchFamily="34" charset="0"/>
+                <a:ea typeface="Tahoma" panose="020B0604030504040204" pitchFamily="34" charset="0"/>
+                <a:cs typeface="Tahoma" panose="020B0604030504040204" pitchFamily="34" charset="0"/>
+              </a:rPr>
+              <a:t>Чтобы получить прогноз, необходимо заполнить все поля формы и нажать кнопку «</a:t>
+            </a:r>
+            <a:r>
+              <a:rPr lang="ru-RU">
+                <a:solidFill>
+                  <a:schemeClr val="bg2">
+                    <a:lumMod val="75000"/>
+                    <a:lumOff val="25000"/>
+                  </a:schemeClr>
+                </a:solidFill>
+                <a:latin typeface="Tahoma" panose="020B0604030504040204" pitchFamily="34" charset="0"/>
+                <a:ea typeface="Tahoma" panose="020B0604030504040204" pitchFamily="34" charset="0"/>
+                <a:cs typeface="Tahoma" panose="020B0604030504040204" pitchFamily="34" charset="0"/>
+              </a:rPr>
+              <a:t>рассчитать».</a:t>
+            </a:r>
+          </a:p>
+          <a:p>
+            <a:pPr marL="76200" indent="0" algn="just">
+              <a:buNone/>
+            </a:pPr>
+            <a:r>
+              <a:rPr lang="ru-RU">
+                <a:solidFill>
+                  <a:schemeClr val="bg2">
+                    <a:lumMod val="75000"/>
+                    <a:lumOff val="25000"/>
+                  </a:schemeClr>
+                </a:solidFill>
+                <a:latin typeface="Tahoma" panose="020B0604030504040204" pitchFamily="34" charset="0"/>
+                <a:ea typeface="Tahoma" panose="020B0604030504040204" pitchFamily="34" charset="0"/>
+                <a:cs typeface="Tahoma" panose="020B0604030504040204" pitchFamily="34" charset="0"/>
+              </a:rPr>
+              <a:t>Результат </a:t>
+            </a:r>
+            <a:r>
+              <a:rPr lang="ru-RU" dirty="0">
+                <a:solidFill>
+                  <a:schemeClr val="bg2">
+                    <a:lumMod val="75000"/>
+                    <a:lumOff val="25000"/>
+                  </a:schemeClr>
+                </a:solidFill>
+                <a:latin typeface="Tahoma" panose="020B0604030504040204" pitchFamily="34" charset="0"/>
+                <a:ea typeface="Tahoma" panose="020B0604030504040204" pitchFamily="34" charset="0"/>
+                <a:cs typeface="Tahoma" panose="020B0604030504040204" pitchFamily="34" charset="0"/>
+              </a:rPr>
+              <a:t>отобразится под кнопкой.</a:t>
+            </a:r>
           </a:p>
         </p:txBody>
       </p:sp>
@@ -19431,6 +21395,36 @@
           </a:p>
         </p:txBody>
       </p:sp>
+      <p:pic>
+        <p:nvPicPr>
+          <p:cNvPr id="2" name="Рисунок 1">
+            <a:extLst>
+              <a:ext uri="{FF2B5EF4-FFF2-40B4-BE49-F238E27FC236}">
+                <a16:creationId xmlns:a16="http://schemas.microsoft.com/office/drawing/2014/main" id="{90A14618-8CA0-699B-115D-5B6601884DE3}"/>
+              </a:ext>
+            </a:extLst>
+          </p:cNvPr>
+          <p:cNvPicPr>
+            <a:picLocks noChangeAspect="1"/>
+          </p:cNvPicPr>
+          <p:nvPr/>
+        </p:nvPicPr>
+        <p:blipFill>
+          <a:blip r:embed="rId3"/>
+          <a:stretch>
+            <a:fillRect/>
+          </a:stretch>
+        </p:blipFill>
+        <p:spPr>
+          <a:xfrm>
+            <a:off x="6906862" y="1077106"/>
+            <a:ext cx="4848453" cy="5168131"/>
+          </a:xfrm>
+          <a:prstGeom prst="rect">
+            <a:avLst/>
+          </a:prstGeom>
+        </p:spPr>
+      </p:pic>
     </p:spTree>
     <p:extLst>
       <p:ext uri="{BB962C8B-B14F-4D97-AF65-F5344CB8AC3E}">
